--- a/Presentation/FINAL_PRESENTATION.pptx
+++ b/Presentation/FINAL_PRESENTATION.pptx
@@ -11,12 +11,14 @@
     <p:sldId id="259" r:id="rId5"/>
     <p:sldId id="260" r:id="rId6"/>
     <p:sldId id="261" r:id="rId7"/>
-    <p:sldId id="262" r:id="rId8"/>
-    <p:sldId id="263" r:id="rId9"/>
-    <p:sldId id="264" r:id="rId10"/>
-    <p:sldId id="265" r:id="rId11"/>
-    <p:sldId id="266" r:id="rId12"/>
-    <p:sldId id="267" r:id="rId13"/>
+    <p:sldId id="264" r:id="rId8"/>
+    <p:sldId id="265" r:id="rId9"/>
+    <p:sldId id="266" r:id="rId10"/>
+    <p:sldId id="267" r:id="rId11"/>
+    <p:sldId id="269" r:id="rId12"/>
+    <p:sldId id="268" r:id="rId13"/>
+    <p:sldId id="262" r:id="rId14"/>
+    <p:sldId id="263" r:id="rId15"/>
   </p:sldIdLst>
   <p:sldSz cx="9144000" cy="6858000" type="screen4x3"/>
   <p:notesSz cx="6858000" cy="9144000"/>
@@ -313,7 +315,7 @@
           <a:p>
             <a:fld id="{5BCAD085-E8A6-8845-BD4E-CB4CCA059FC4}" type="datetimeFigureOut">
               <a:rPr lang="en-US" smtClean="0"/>
-              <a:t>12/5/24</a:t>
+              <a:t>12/5/2024</a:t>
             </a:fld>
             <a:endParaRPr lang="en-US"/>
           </a:p>
@@ -481,7 +483,7 @@
           <a:p>
             <a:fld id="{5BCAD085-E8A6-8845-BD4E-CB4CCA059FC4}" type="datetimeFigureOut">
               <a:rPr lang="en-US" smtClean="0"/>
-              <a:t>12/5/24</a:t>
+              <a:t>12/5/2024</a:t>
             </a:fld>
             <a:endParaRPr lang="en-US"/>
           </a:p>
@@ -659,7 +661,7 @@
           <a:p>
             <a:fld id="{5BCAD085-E8A6-8845-BD4E-CB4CCA059FC4}" type="datetimeFigureOut">
               <a:rPr lang="en-US" smtClean="0"/>
-              <a:t>12/5/24</a:t>
+              <a:t>12/5/2024</a:t>
             </a:fld>
             <a:endParaRPr lang="en-US"/>
           </a:p>
@@ -827,7 +829,7 @@
           <a:p>
             <a:fld id="{5BCAD085-E8A6-8845-BD4E-CB4CCA059FC4}" type="datetimeFigureOut">
               <a:rPr lang="en-US" smtClean="0"/>
-              <a:t>12/5/24</a:t>
+              <a:t>12/5/2024</a:t>
             </a:fld>
             <a:endParaRPr lang="en-US"/>
           </a:p>
@@ -1072,7 +1074,7 @@
           <a:p>
             <a:fld id="{5BCAD085-E8A6-8845-BD4E-CB4CCA059FC4}" type="datetimeFigureOut">
               <a:rPr lang="en-US" smtClean="0"/>
-              <a:t>12/5/24</a:t>
+              <a:t>12/5/2024</a:t>
             </a:fld>
             <a:endParaRPr lang="en-US"/>
           </a:p>
@@ -1357,7 +1359,7 @@
           <a:p>
             <a:fld id="{5BCAD085-E8A6-8845-BD4E-CB4CCA059FC4}" type="datetimeFigureOut">
               <a:rPr lang="en-US" smtClean="0"/>
-              <a:t>12/5/24</a:t>
+              <a:t>12/5/2024</a:t>
             </a:fld>
             <a:endParaRPr lang="en-US"/>
           </a:p>
@@ -1776,7 +1778,7 @@
           <a:p>
             <a:fld id="{5BCAD085-E8A6-8845-BD4E-CB4CCA059FC4}" type="datetimeFigureOut">
               <a:rPr lang="en-US" smtClean="0"/>
-              <a:t>12/5/24</a:t>
+              <a:t>12/5/2024</a:t>
             </a:fld>
             <a:endParaRPr lang="en-US"/>
           </a:p>
@@ -1893,7 +1895,7 @@
           <a:p>
             <a:fld id="{5BCAD085-E8A6-8845-BD4E-CB4CCA059FC4}" type="datetimeFigureOut">
               <a:rPr lang="en-US" smtClean="0"/>
-              <a:t>12/5/24</a:t>
+              <a:t>12/5/2024</a:t>
             </a:fld>
             <a:endParaRPr lang="en-US"/>
           </a:p>
@@ -1988,7 +1990,7 @@
           <a:p>
             <a:fld id="{5BCAD085-E8A6-8845-BD4E-CB4CCA059FC4}" type="datetimeFigureOut">
               <a:rPr lang="en-US" smtClean="0"/>
-              <a:t>12/5/24</a:t>
+              <a:t>12/5/2024</a:t>
             </a:fld>
             <a:endParaRPr lang="en-US"/>
           </a:p>
@@ -2263,7 +2265,7 @@
           <a:p>
             <a:fld id="{5BCAD085-E8A6-8845-BD4E-CB4CCA059FC4}" type="datetimeFigureOut">
               <a:rPr lang="en-US" smtClean="0"/>
-              <a:t>12/5/24</a:t>
+              <a:t>12/5/2024</a:t>
             </a:fld>
             <a:endParaRPr lang="en-US"/>
           </a:p>
@@ -2515,7 +2517,7 @@
           <a:p>
             <a:fld id="{5BCAD085-E8A6-8845-BD4E-CB4CCA059FC4}" type="datetimeFigureOut">
               <a:rPr lang="en-US" smtClean="0"/>
-              <a:t>12/5/24</a:t>
+              <a:t>12/5/2024</a:t>
             </a:fld>
             <a:endParaRPr lang="en-US"/>
           </a:p>
@@ -2726,7 +2728,7 @@
           <a:p>
             <a:fld id="{5BCAD085-E8A6-8845-BD4E-CB4CCA059FC4}" type="datetimeFigureOut">
               <a:rPr lang="en-US" smtClean="0"/>
-              <a:t>12/5/24</a:t>
+              <a:t>12/5/2024</a:t>
             </a:fld>
             <a:endParaRPr lang="en-US"/>
           </a:p>
@@ -3113,7 +3115,9 @@
         </p:nvSpPr>
         <p:spPr/>
         <p:txBody>
-          <a:bodyPr/>
+          <a:bodyPr>
+            <a:normAutofit fontScale="90000"/>
+          </a:bodyPr>
           <a:lstStyle/>
           <a:p>
             <a:r>
@@ -3180,33 +3184,34 @@
         </p:nvSpPr>
         <p:spPr/>
         <p:txBody>
+          <a:bodyPr>
+            <a:normAutofit fontScale="90000"/>
+          </a:bodyPr>
+          <a:lstStyle/>
+          <a:p>
+            <a:r>
+              <a:t>Hybrid MPI+OpenMP Implementation</a:t>
+            </a:r>
+          </a:p>
+        </p:txBody>
+      </p:sp>
+      <p:sp>
+        <p:nvSpPr>
+          <p:cNvPr id="3" name="Content Placeholder 2"/>
+          <p:cNvSpPr>
+            <a:spLocks noGrp="1"/>
+          </p:cNvSpPr>
+          <p:nvPr>
+            <p:ph idx="1"/>
+          </p:nvPr>
+        </p:nvSpPr>
+        <p:spPr/>
+        <p:txBody>
           <a:bodyPr/>
           <a:lstStyle/>
           <a:p>
             <a:r>
-              <a:t>OpenMP Implementation</a:t>
-            </a:r>
-          </a:p>
-        </p:txBody>
-      </p:sp>
-      <p:sp>
-        <p:nvSpPr>
-          <p:cNvPr id="3" name="Content Placeholder 2"/>
-          <p:cNvSpPr>
-            <a:spLocks noGrp="1"/>
-          </p:cNvSpPr>
-          <p:nvPr>
-            <p:ph idx="1"/>
-          </p:nvPr>
-        </p:nvSpPr>
-        <p:spPr/>
-        <p:txBody>
-          <a:bodyPr/>
-          <a:lstStyle/>
-          <a:p>
-            <a:r>
-              <a:rPr dirty="0"/>
-              <a:t>The OpenMP implementation simplifies thread management with compiler directives, ensuring efficient parallelization with minimal code complexity.</a:t>
+              <a:t>This implementation combines inter-node MPI communication with intra-node OpenMP parallelization, achieving optimal scalability for large problem sizes.</a:t>
             </a:r>
           </a:p>
         </p:txBody>
@@ -3219,7 +3224,7 @@
         </p:nvSpPr>
         <p:spPr>
           <a:xfrm>
-            <a:off x="743638" y="3321586"/>
+            <a:off x="914400" y="3429000"/>
             <a:ext cx="8229600" cy="1828800"/>
           </a:xfrm>
           <a:prstGeom prst="rect">
@@ -3268,7 +3273,15 @@
             </a:r>
             <a:r>
               <a:rPr dirty="0"/>
-              <a:t> &lt; rows - 1; </a:t>
+              <a:t> &lt; </a:t>
+            </a:r>
+            <a:r>
+              <a:rPr dirty="0" err="1"/>
+              <a:t>local_rows</a:t>
+            </a:r>
+            <a:r>
+              <a:rPr dirty="0"/>
+              <a:t> - 1; </a:t>
             </a:r>
             <a:r>
               <a:rPr dirty="0" err="1"/>
@@ -3282,7 +3295,7 @@
           <a:p>
             <a:r>
               <a:rPr dirty="0"/>
-              <a:t>    for (int j = 1; j &lt; cols - 1; </a:t>
+              <a:t>    for (int j = 1; j &lt; n - 1; </a:t>
             </a:r>
             <a:r>
               <a:rPr dirty="0" err="1"/>
@@ -3296,7 +3309,7 @@
           <a:p>
             <a:r>
               <a:rPr dirty="0"/>
-              <a:t>        matrix1[</a:t>
+              <a:t>        subs1[</a:t>
             </a:r>
             <a:r>
               <a:rPr dirty="0" err="1"/>
@@ -3304,7 +3317,7 @@
             </a:r>
             <a:r>
               <a:rPr dirty="0"/>
-              <a:t>][j] = (matrix[</a:t>
+              <a:t>][j] = (subs[</a:t>
             </a:r>
             <a:r>
               <a:rPr dirty="0" err="1"/>
@@ -3312,7 +3325,7 @@
             </a:r>
             <a:r>
               <a:rPr dirty="0"/>
-              <a:t> - 1][j - 1] + ... + matrix[</a:t>
+              <a:t> - 1][j - 1] + ... + subs[</a:t>
             </a:r>
             <a:r>
               <a:rPr dirty="0" err="1"/>
@@ -3337,8 +3350,12 @@
           </a:p>
           <a:p>
             <a:r>
-              <a:rPr dirty="0"/>
-              <a:t>double **temp = matrix1; matrix1 = matrix; matrix = temp;</a:t>
+              <a:rPr dirty="0" err="1"/>
+              <a:t>MPI_Barrier</a:t>
+            </a:r>
+            <a:r>
+              <a:rPr dirty="0"/>
+              <a:t>(comm); // Synchronization across processes</a:t>
             </a:r>
           </a:p>
           <a:p>
@@ -3355,6 +3372,1226 @@
 </file>
 
 <file path=ppt/slides/slide11.xml><?xml version="1.0" encoding="utf-8"?>
+<p:sld xmlns:a="http://schemas.openxmlformats.org/drawingml/2006/main" xmlns:r="http://schemas.openxmlformats.org/officeDocument/2006/relationships" xmlns:p="http://schemas.openxmlformats.org/presentationml/2006/main">
+  <p:cSld>
+    <p:bg>
+      <p:bgPr>
+        <a:solidFill>
+          <a:schemeClr val="bg1"/>
+        </a:solidFill>
+        <a:effectLst/>
+      </p:bgPr>
+    </p:bg>
+    <p:spTree>
+      <p:nvGrpSpPr>
+        <p:cNvPr id="1" name=""/>
+        <p:cNvGrpSpPr/>
+        <p:nvPr/>
+      </p:nvGrpSpPr>
+      <p:grpSpPr>
+        <a:xfrm>
+          <a:off x="0" y="0"/>
+          <a:ext cx="0" cy="0"/>
+          <a:chOff x="0" y="0"/>
+          <a:chExt cx="0" cy="0"/>
+        </a:xfrm>
+      </p:grpSpPr>
+      <p:sp useBgFill="1">
+        <p:nvSpPr>
+          <p:cNvPr id="14" name="Rectangle 13">
+            <a:extLst>
+              <a:ext uri="{FF2B5EF4-FFF2-40B4-BE49-F238E27FC236}">
+                <a16:creationId xmlns:a16="http://schemas.microsoft.com/office/drawing/2014/main" id="{7C98A213-5994-475E-B327-DC6EC27FBA8B}"/>
+              </a:ext>
+              <a:ext uri="{C183D7F6-B498-43B3-948B-1728B52AA6E4}">
+                <adec:decorative xmlns:adec="http://schemas.microsoft.com/office/drawing/2017/decorative" val="1"/>
+              </a:ext>
+            </a:extLst>
+          </p:cNvPr>
+          <p:cNvSpPr>
+            <a:spLocks noGrp="1" noRot="1" noChangeAspect="1" noMove="1" noResize="1" noEditPoints="1" noAdjustHandles="1" noChangeArrowheads="1" noChangeShapeType="1" noTextEdit="1"/>
+          </p:cNvSpPr>
+          <p:nvPr>
+            <p:extLst>
+              <p:ext uri="{386F3935-93C4-4BCD-93E2-E3B085C9AB24}">
+                <p16:designElem xmlns:p16="http://schemas.microsoft.com/office/powerpoint/2015/main" val="1"/>
+              </p:ext>
+            </p:extLst>
+          </p:nvPr>
+        </p:nvSpPr>
+        <p:spPr>
+          <a:xfrm>
+            <a:off x="0" y="0"/>
+            <a:ext cx="9141714" cy="6858000"/>
+          </a:xfrm>
+          <a:prstGeom prst="rect">
+            <a:avLst/>
+          </a:prstGeom>
+          <a:ln>
+            <a:noFill/>
+          </a:ln>
+        </p:spPr>
+        <p:style>
+          <a:lnRef idx="2">
+            <a:schemeClr val="accent1">
+              <a:shade val="50000"/>
+            </a:schemeClr>
+          </a:lnRef>
+          <a:fillRef idx="1">
+            <a:schemeClr val="accent1"/>
+          </a:fillRef>
+          <a:effectRef idx="0">
+            <a:schemeClr val="accent1"/>
+          </a:effectRef>
+          <a:fontRef idx="minor">
+            <a:schemeClr val="lt1"/>
+          </a:fontRef>
+        </p:style>
+        <p:txBody>
+          <a:bodyPr rtlCol="0" anchor="ctr"/>
+          <a:lstStyle/>
+          <a:p>
+            <a:pPr algn="ctr"/>
+            <a:endParaRPr lang="en-US"/>
+          </a:p>
+        </p:txBody>
+      </p:sp>
+      <p:sp>
+        <p:nvSpPr>
+          <p:cNvPr id="2" name="Title 1">
+            <a:extLst>
+              <a:ext uri="{FF2B5EF4-FFF2-40B4-BE49-F238E27FC236}">
+                <a16:creationId xmlns:a16="http://schemas.microsoft.com/office/drawing/2014/main" id="{56466CC8-06B2-A290-53DA-B32758FA3AE9}"/>
+              </a:ext>
+            </a:extLst>
+          </p:cNvPr>
+          <p:cNvSpPr>
+            <a:spLocks noGrp="1"/>
+          </p:cNvSpPr>
+          <p:nvPr>
+            <p:ph type="title"/>
+          </p:nvPr>
+        </p:nvSpPr>
+        <p:spPr>
+          <a:xfrm>
+            <a:off x="479160" y="670218"/>
+            <a:ext cx="8182230" cy="1065836"/>
+          </a:xfrm>
+        </p:spPr>
+        <p:txBody>
+          <a:bodyPr vert="horz" lIns="91440" tIns="45720" rIns="91440" bIns="45720" rtlCol="0" anchor="ctr">
+            <a:normAutofit/>
+          </a:bodyPr>
+          <a:lstStyle/>
+          <a:p>
+            <a:pPr defTabSz="914400">
+              <a:lnSpc>
+                <a:spcPct val="90000"/>
+              </a:lnSpc>
+            </a:pPr>
+            <a:r>
+              <a:rPr lang="en-US" sz="5700"/>
+              <a:t>Heat Transfer Plates</a:t>
+            </a:r>
+          </a:p>
+        </p:txBody>
+      </p:sp>
+      <p:sp>
+        <p:nvSpPr>
+          <p:cNvPr id="16" name="sketch line">
+            <a:extLst>
+              <a:ext uri="{FF2B5EF4-FFF2-40B4-BE49-F238E27FC236}">
+                <a16:creationId xmlns:a16="http://schemas.microsoft.com/office/drawing/2014/main" id="{4B030A0D-0DAD-4A99-89BB-419527D6A64B}"/>
+              </a:ext>
+              <a:ext uri="{C183D7F6-B498-43B3-948B-1728B52AA6E4}">
+                <adec:decorative xmlns:adec="http://schemas.microsoft.com/office/drawing/2017/decorative" val="1"/>
+              </a:ext>
+            </a:extLst>
+          </p:cNvPr>
+          <p:cNvSpPr>
+            <a:spLocks noGrp="1" noRot="1" noChangeAspect="1" noMove="1" noResize="1" noEditPoints="1" noAdjustHandles="1" noChangeArrowheads="1" noChangeShapeType="1" noTextEdit="1"/>
+          </p:cNvSpPr>
+          <p:nvPr>
+            <p:extLst>
+              <p:ext uri="{386F3935-93C4-4BCD-93E2-E3B085C9AB24}">
+                <p16:designElem xmlns:p16="http://schemas.microsoft.com/office/powerpoint/2015/main" val="1"/>
+              </p:ext>
+            </p:extLst>
+          </p:nvPr>
+        </p:nvSpPr>
+        <p:spPr>
+          <a:xfrm>
+            <a:off x="2542032" y="1800088"/>
+            <a:ext cx="4057650" cy="18288"/>
+          </a:xfrm>
+          <a:custGeom>
+            <a:avLst/>
+            <a:gdLst>
+              <a:gd name="connsiteX0" fmla="*/ 0 w 4057650"/>
+              <a:gd name="connsiteY0" fmla="*/ 0 h 18288"/>
+              <a:gd name="connsiteX1" fmla="*/ 757428 w 4057650"/>
+              <a:gd name="connsiteY1" fmla="*/ 0 h 18288"/>
+              <a:gd name="connsiteX2" fmla="*/ 1474279 w 4057650"/>
+              <a:gd name="connsiteY2" fmla="*/ 0 h 18288"/>
+              <a:gd name="connsiteX3" fmla="*/ 2191131 w 4057650"/>
+              <a:gd name="connsiteY3" fmla="*/ 0 h 18288"/>
+              <a:gd name="connsiteX4" fmla="*/ 2745676 w 4057650"/>
+              <a:gd name="connsiteY4" fmla="*/ 0 h 18288"/>
+              <a:gd name="connsiteX5" fmla="*/ 3340798 w 4057650"/>
+              <a:gd name="connsiteY5" fmla="*/ 0 h 18288"/>
+              <a:gd name="connsiteX6" fmla="*/ 4057650 w 4057650"/>
+              <a:gd name="connsiteY6" fmla="*/ 0 h 18288"/>
+              <a:gd name="connsiteX7" fmla="*/ 4057650 w 4057650"/>
+              <a:gd name="connsiteY7" fmla="*/ 18288 h 18288"/>
+              <a:gd name="connsiteX8" fmla="*/ 3381375 w 4057650"/>
+              <a:gd name="connsiteY8" fmla="*/ 18288 h 18288"/>
+              <a:gd name="connsiteX9" fmla="*/ 2826830 w 4057650"/>
+              <a:gd name="connsiteY9" fmla="*/ 18288 h 18288"/>
+              <a:gd name="connsiteX10" fmla="*/ 2272284 w 4057650"/>
+              <a:gd name="connsiteY10" fmla="*/ 18288 h 18288"/>
+              <a:gd name="connsiteX11" fmla="*/ 1555432 w 4057650"/>
+              <a:gd name="connsiteY11" fmla="*/ 18288 h 18288"/>
+              <a:gd name="connsiteX12" fmla="*/ 960310 w 4057650"/>
+              <a:gd name="connsiteY12" fmla="*/ 18288 h 18288"/>
+              <a:gd name="connsiteX13" fmla="*/ 0 w 4057650"/>
+              <a:gd name="connsiteY13" fmla="*/ 18288 h 18288"/>
+              <a:gd name="connsiteX14" fmla="*/ 0 w 4057650"/>
+              <a:gd name="connsiteY14" fmla="*/ 0 h 18288"/>
+            </a:gdLst>
+            <a:ahLst/>
+            <a:cxnLst>
+              <a:cxn ang="0">
+                <a:pos x="connsiteX0" y="connsiteY0"/>
+              </a:cxn>
+              <a:cxn ang="0">
+                <a:pos x="connsiteX1" y="connsiteY1"/>
+              </a:cxn>
+              <a:cxn ang="0">
+                <a:pos x="connsiteX2" y="connsiteY2"/>
+              </a:cxn>
+              <a:cxn ang="0">
+                <a:pos x="connsiteX3" y="connsiteY3"/>
+              </a:cxn>
+              <a:cxn ang="0">
+                <a:pos x="connsiteX4" y="connsiteY4"/>
+              </a:cxn>
+              <a:cxn ang="0">
+                <a:pos x="connsiteX5" y="connsiteY5"/>
+              </a:cxn>
+              <a:cxn ang="0">
+                <a:pos x="connsiteX6" y="connsiteY6"/>
+              </a:cxn>
+              <a:cxn ang="0">
+                <a:pos x="connsiteX7" y="connsiteY7"/>
+              </a:cxn>
+              <a:cxn ang="0">
+                <a:pos x="connsiteX8" y="connsiteY8"/>
+              </a:cxn>
+              <a:cxn ang="0">
+                <a:pos x="connsiteX9" y="connsiteY9"/>
+              </a:cxn>
+              <a:cxn ang="0">
+                <a:pos x="connsiteX10" y="connsiteY10"/>
+              </a:cxn>
+              <a:cxn ang="0">
+                <a:pos x="connsiteX11" y="connsiteY11"/>
+              </a:cxn>
+              <a:cxn ang="0">
+                <a:pos x="connsiteX12" y="connsiteY12"/>
+              </a:cxn>
+              <a:cxn ang="0">
+                <a:pos x="connsiteX13" y="connsiteY13"/>
+              </a:cxn>
+              <a:cxn ang="0">
+                <a:pos x="connsiteX14" y="connsiteY14"/>
+              </a:cxn>
+            </a:cxnLst>
+            <a:rect l="l" t="t" r="r" b="b"/>
+            <a:pathLst>
+              <a:path w="4057650" h="18288" fill="none" extrusionOk="0">
+                <a:moveTo>
+                  <a:pt x="0" y="0"/>
+                </a:moveTo>
+                <a:cubicBezTo>
+                  <a:pt x="371182" y="3227"/>
+                  <a:pt x="494372" y="9222"/>
+                  <a:pt x="757428" y="0"/>
+                </a:cubicBezTo>
+                <a:cubicBezTo>
+                  <a:pt x="1020484" y="-9222"/>
+                  <a:pt x="1116719" y="-4357"/>
+                  <a:pt x="1474279" y="0"/>
+                </a:cubicBezTo>
+                <a:cubicBezTo>
+                  <a:pt x="1831839" y="4357"/>
+                  <a:pt x="1920973" y="-11809"/>
+                  <a:pt x="2191131" y="0"/>
+                </a:cubicBezTo>
+                <a:cubicBezTo>
+                  <a:pt x="2461289" y="11809"/>
+                  <a:pt x="2589480" y="-22604"/>
+                  <a:pt x="2745676" y="0"/>
+                </a:cubicBezTo>
+                <a:cubicBezTo>
+                  <a:pt x="2901872" y="22604"/>
+                  <a:pt x="3136452" y="-12306"/>
+                  <a:pt x="3340798" y="0"/>
+                </a:cubicBezTo>
+                <a:cubicBezTo>
+                  <a:pt x="3545144" y="12306"/>
+                  <a:pt x="3766934" y="-21556"/>
+                  <a:pt x="4057650" y="0"/>
+                </a:cubicBezTo>
+                <a:cubicBezTo>
+                  <a:pt x="4057150" y="8855"/>
+                  <a:pt x="4057759" y="14521"/>
+                  <a:pt x="4057650" y="18288"/>
+                </a:cubicBezTo>
+                <a:cubicBezTo>
+                  <a:pt x="3743404" y="40125"/>
+                  <a:pt x="3625516" y="-14923"/>
+                  <a:pt x="3381375" y="18288"/>
+                </a:cubicBezTo>
+                <a:cubicBezTo>
+                  <a:pt x="3137235" y="51499"/>
+                  <a:pt x="2946571" y="1"/>
+                  <a:pt x="2826830" y="18288"/>
+                </a:cubicBezTo>
+                <a:cubicBezTo>
+                  <a:pt x="2707090" y="36575"/>
+                  <a:pt x="2402756" y="1432"/>
+                  <a:pt x="2272284" y="18288"/>
+                </a:cubicBezTo>
+                <a:cubicBezTo>
+                  <a:pt x="2141812" y="35144"/>
+                  <a:pt x="1895935" y="18199"/>
+                  <a:pt x="1555432" y="18288"/>
+                </a:cubicBezTo>
+                <a:cubicBezTo>
+                  <a:pt x="1214929" y="18377"/>
+                  <a:pt x="1103072" y="14503"/>
+                  <a:pt x="960310" y="18288"/>
+                </a:cubicBezTo>
+                <a:cubicBezTo>
+                  <a:pt x="817548" y="22073"/>
+                  <a:pt x="402272" y="-29359"/>
+                  <a:pt x="0" y="18288"/>
+                </a:cubicBezTo>
+                <a:cubicBezTo>
+                  <a:pt x="683" y="12014"/>
+                  <a:pt x="724" y="5908"/>
+                  <a:pt x="0" y="0"/>
+                </a:cubicBezTo>
+                <a:close/>
+              </a:path>
+              <a:path w="4057650" h="18288" stroke="0" extrusionOk="0">
+                <a:moveTo>
+                  <a:pt x="0" y="0"/>
+                </a:moveTo>
+                <a:cubicBezTo>
+                  <a:pt x="248348" y="13145"/>
+                  <a:pt x="486117" y="25042"/>
+                  <a:pt x="635698" y="0"/>
+                </a:cubicBezTo>
+                <a:cubicBezTo>
+                  <a:pt x="785279" y="-25042"/>
+                  <a:pt x="917762" y="-5537"/>
+                  <a:pt x="1190244" y="0"/>
+                </a:cubicBezTo>
+                <a:cubicBezTo>
+                  <a:pt x="1462726" y="5537"/>
+                  <a:pt x="1667120" y="-21232"/>
+                  <a:pt x="1947672" y="0"/>
+                </a:cubicBezTo>
+                <a:cubicBezTo>
+                  <a:pt x="2228224" y="21232"/>
+                  <a:pt x="2280631" y="-21698"/>
+                  <a:pt x="2583370" y="0"/>
+                </a:cubicBezTo>
+                <a:cubicBezTo>
+                  <a:pt x="2886109" y="21698"/>
+                  <a:pt x="3022941" y="19647"/>
+                  <a:pt x="3219069" y="0"/>
+                </a:cubicBezTo>
+                <a:cubicBezTo>
+                  <a:pt x="3415197" y="-19647"/>
+                  <a:pt x="3747500" y="26991"/>
+                  <a:pt x="4057650" y="0"/>
+                </a:cubicBezTo>
+                <a:cubicBezTo>
+                  <a:pt x="4056752" y="7180"/>
+                  <a:pt x="4057819" y="13790"/>
+                  <a:pt x="4057650" y="18288"/>
+                </a:cubicBezTo>
+                <a:cubicBezTo>
+                  <a:pt x="3865148" y="-3313"/>
+                  <a:pt x="3702543" y="49468"/>
+                  <a:pt x="3381375" y="18288"/>
+                </a:cubicBezTo>
+                <a:cubicBezTo>
+                  <a:pt x="3060208" y="-12892"/>
+                  <a:pt x="2956571" y="-8678"/>
+                  <a:pt x="2826830" y="18288"/>
+                </a:cubicBezTo>
+                <a:cubicBezTo>
+                  <a:pt x="2697089" y="45254"/>
+                  <a:pt x="2411031" y="43154"/>
+                  <a:pt x="2150555" y="18288"/>
+                </a:cubicBezTo>
+                <a:cubicBezTo>
+                  <a:pt x="1890080" y="-6578"/>
+                  <a:pt x="1741827" y="-615"/>
+                  <a:pt x="1474280" y="18288"/>
+                </a:cubicBezTo>
+                <a:cubicBezTo>
+                  <a:pt x="1206734" y="37191"/>
+                  <a:pt x="998203" y="33335"/>
+                  <a:pt x="838581" y="18288"/>
+                </a:cubicBezTo>
+                <a:cubicBezTo>
+                  <a:pt x="678959" y="3241"/>
+                  <a:pt x="187101" y="-13212"/>
+                  <a:pt x="0" y="18288"/>
+                </a:cubicBezTo>
+                <a:cubicBezTo>
+                  <a:pt x="571" y="10093"/>
+                  <a:pt x="-125" y="8407"/>
+                  <a:pt x="0" y="0"/>
+                </a:cubicBezTo>
+                <a:close/>
+              </a:path>
+            </a:pathLst>
+          </a:custGeom>
+          <a:solidFill>
+            <a:schemeClr val="accent2"/>
+          </a:solidFill>
+          <a:ln w="41275" cap="rnd">
+            <a:solidFill>
+              <a:schemeClr val="accent2"/>
+            </a:solidFill>
+            <a:round/>
+            <a:extLst>
+              <a:ext uri="{C807C97D-BFC1-408E-A445-0C87EB9F89A2}">
+                <ask:lineSketchStyleProps xmlns:ask="http://schemas.microsoft.com/office/drawing/2018/sketchyshapes" sd="1219033472">
+                  <a:prstGeom prst="rect">
+                    <a:avLst/>
+                  </a:prstGeom>
+                  <ask:type>
+                    <ask:lineSketchFreehand/>
+                  </ask:type>
+                </ask:lineSketchStyleProps>
+              </a:ext>
+            </a:extLst>
+          </a:ln>
+        </p:spPr>
+        <p:style>
+          <a:lnRef idx="2">
+            <a:schemeClr val="accent1">
+              <a:shade val="50000"/>
+            </a:schemeClr>
+          </a:lnRef>
+          <a:fillRef idx="1">
+            <a:schemeClr val="accent1"/>
+          </a:fillRef>
+          <a:effectRef idx="0">
+            <a:schemeClr val="accent1"/>
+          </a:effectRef>
+          <a:fontRef idx="minor">
+            <a:schemeClr val="lt1"/>
+          </a:fontRef>
+        </p:style>
+        <p:txBody>
+          <a:bodyPr rtlCol="0" anchor="ctr"/>
+          <a:lstStyle/>
+          <a:p>
+            <a:pPr algn="ctr"/>
+            <a:endParaRPr lang="en-US"/>
+          </a:p>
+        </p:txBody>
+      </p:sp>
+      <p:pic>
+        <p:nvPicPr>
+          <p:cNvPr id="7" name="Picture 6">
+            <a:extLst>
+              <a:ext uri="{FF2B5EF4-FFF2-40B4-BE49-F238E27FC236}">
+                <a16:creationId xmlns:a16="http://schemas.microsoft.com/office/drawing/2014/main" id="{1B189653-0B77-8F43-2703-F723985753EA}"/>
+              </a:ext>
+            </a:extLst>
+          </p:cNvPr>
+          <p:cNvPicPr>
+            <a:picLocks noChangeAspect="1"/>
+          </p:cNvPicPr>
+          <p:nvPr/>
+        </p:nvPicPr>
+        <p:blipFill>
+          <a:blip r:embed="rId2"/>
+          <a:stretch>
+            <a:fillRect/>
+          </a:stretch>
+        </p:blipFill>
+        <p:spPr>
+          <a:xfrm>
+            <a:off x="3243958" y="3001026"/>
+            <a:ext cx="2818638" cy="2818638"/>
+          </a:xfrm>
+          <a:prstGeom prst="rect">
+            <a:avLst/>
+          </a:prstGeom>
+        </p:spPr>
+      </p:pic>
+      <p:pic>
+        <p:nvPicPr>
+          <p:cNvPr id="5" name="Picture 4">
+            <a:extLst>
+              <a:ext uri="{FF2B5EF4-FFF2-40B4-BE49-F238E27FC236}">
+                <a16:creationId xmlns:a16="http://schemas.microsoft.com/office/drawing/2014/main" id="{C069BCC6-CD16-F231-28BD-A9368FAA944C}"/>
+              </a:ext>
+            </a:extLst>
+          </p:cNvPr>
+          <p:cNvPicPr>
+            <a:picLocks noChangeAspect="1"/>
+          </p:cNvPicPr>
+          <p:nvPr/>
+        </p:nvPicPr>
+        <p:blipFill>
+          <a:blip r:embed="rId3"/>
+          <a:stretch>
+            <a:fillRect/>
+          </a:stretch>
+        </p:blipFill>
+        <p:spPr>
+          <a:xfrm>
+            <a:off x="382010" y="2999973"/>
+            <a:ext cx="2818638" cy="2812318"/>
+          </a:xfrm>
+          <a:prstGeom prst="rect">
+            <a:avLst/>
+          </a:prstGeom>
+        </p:spPr>
+      </p:pic>
+      <p:pic>
+        <p:nvPicPr>
+          <p:cNvPr id="9" name="Picture 8">
+            <a:extLst>
+              <a:ext uri="{FF2B5EF4-FFF2-40B4-BE49-F238E27FC236}">
+                <a16:creationId xmlns:a16="http://schemas.microsoft.com/office/drawing/2014/main" id="{85DA6368-8E98-A9FF-DA2B-D003685EB9F3}"/>
+              </a:ext>
+            </a:extLst>
+          </p:cNvPr>
+          <p:cNvPicPr>
+            <a:picLocks noChangeAspect="1"/>
+          </p:cNvPicPr>
+          <p:nvPr/>
+        </p:nvPicPr>
+        <p:blipFill>
+          <a:blip r:embed="rId4"/>
+          <a:stretch>
+            <a:fillRect/>
+          </a:stretch>
+        </p:blipFill>
+        <p:spPr>
+          <a:xfrm>
+            <a:off x="6105906" y="3001026"/>
+            <a:ext cx="2818638" cy="2799720"/>
+          </a:xfrm>
+          <a:prstGeom prst="rect">
+            <a:avLst/>
+          </a:prstGeom>
+        </p:spPr>
+      </p:pic>
+      <p:sp>
+        <p:nvSpPr>
+          <p:cNvPr id="10" name="TextBox 9">
+            <a:extLst>
+              <a:ext uri="{FF2B5EF4-FFF2-40B4-BE49-F238E27FC236}">
+                <a16:creationId xmlns:a16="http://schemas.microsoft.com/office/drawing/2014/main" id="{1D525E90-05D5-70B6-769E-2102A6033E49}"/>
+              </a:ext>
+            </a:extLst>
+          </p:cNvPr>
+          <p:cNvSpPr txBox="1"/>
+          <p:nvPr/>
+        </p:nvSpPr>
+        <p:spPr>
+          <a:xfrm>
+            <a:off x="382010" y="2456953"/>
+            <a:ext cx="8542534" cy="371326"/>
+          </a:xfrm>
+          <a:prstGeom prst="rect">
+            <a:avLst/>
+          </a:prstGeom>
+          <a:noFill/>
+        </p:spPr>
+        <p:txBody>
+          <a:bodyPr wrap="square" rtlCol="0">
+            <a:spAutoFit/>
+          </a:bodyPr>
+          <a:lstStyle/>
+          <a:p>
+            <a:r>
+              <a:rPr lang="en-US" dirty="0"/>
+              <a:t>Initial State				Middle State				  Final State</a:t>
+            </a:r>
+          </a:p>
+        </p:txBody>
+      </p:sp>
+    </p:spTree>
+    <p:extLst>
+      <p:ext uri="{BB962C8B-B14F-4D97-AF65-F5344CB8AC3E}">
+        <p14:creationId xmlns:p14="http://schemas.microsoft.com/office/powerpoint/2010/main" val="2784987426"/>
+      </p:ext>
+    </p:extLst>
+  </p:cSld>
+  <p:clrMapOvr>
+    <a:masterClrMapping/>
+  </p:clrMapOvr>
+</p:sld>
+</file>
+
+<file path=ppt/slides/slide12.xml><?xml version="1.0" encoding="utf-8"?>
+<p:sld xmlns:a="http://schemas.openxmlformats.org/drawingml/2006/main" xmlns:r="http://schemas.openxmlformats.org/officeDocument/2006/relationships" xmlns:p="http://schemas.openxmlformats.org/presentationml/2006/main">
+  <p:cSld>
+    <p:bg>
+      <p:bgPr>
+        <a:solidFill>
+          <a:schemeClr val="bg1"/>
+        </a:solidFill>
+        <a:effectLst/>
+      </p:bgPr>
+    </p:bg>
+    <p:spTree>
+      <p:nvGrpSpPr>
+        <p:cNvPr id="1" name=""/>
+        <p:cNvGrpSpPr/>
+        <p:nvPr/>
+      </p:nvGrpSpPr>
+      <p:grpSpPr>
+        <a:xfrm>
+          <a:off x="0" y="0"/>
+          <a:ext cx="0" cy="0"/>
+          <a:chOff x="0" y="0"/>
+          <a:chExt cx="0" cy="0"/>
+        </a:xfrm>
+      </p:grpSpPr>
+      <p:sp useBgFill="1">
+        <p:nvSpPr>
+          <p:cNvPr id="10" name="Rectangle 9">
+            <a:extLst>
+              <a:ext uri="{FF2B5EF4-FFF2-40B4-BE49-F238E27FC236}">
+                <a16:creationId xmlns:a16="http://schemas.microsoft.com/office/drawing/2014/main" id="{2B97F24A-32CE-4C1C-A50D-3016B394DCFB}"/>
+              </a:ext>
+              <a:ext uri="{C183D7F6-B498-43B3-948B-1728B52AA6E4}">
+                <adec:decorative xmlns:adec="http://schemas.microsoft.com/office/drawing/2017/decorative" val="1"/>
+              </a:ext>
+            </a:extLst>
+          </p:cNvPr>
+          <p:cNvSpPr>
+            <a:spLocks noGrp="1" noRot="1" noChangeAspect="1" noMove="1" noResize="1" noEditPoints="1" noAdjustHandles="1" noChangeArrowheads="1" noChangeShapeType="1" noTextEdit="1"/>
+          </p:cNvSpPr>
+          <p:nvPr>
+            <p:extLst>
+              <p:ext uri="{386F3935-93C4-4BCD-93E2-E3B085C9AB24}">
+                <p16:designElem xmlns:p16="http://schemas.microsoft.com/office/powerpoint/2015/main" val="1"/>
+              </p:ext>
+            </p:extLst>
+          </p:nvPr>
+        </p:nvSpPr>
+        <p:spPr>
+          <a:xfrm>
+            <a:off x="0" y="0"/>
+            <a:ext cx="9144000" cy="6858000"/>
+          </a:xfrm>
+          <a:prstGeom prst="rect">
+            <a:avLst/>
+          </a:prstGeom>
+          <a:ln>
+            <a:noFill/>
+          </a:ln>
+        </p:spPr>
+        <p:style>
+          <a:lnRef idx="2">
+            <a:schemeClr val="accent1">
+              <a:shade val="50000"/>
+            </a:schemeClr>
+          </a:lnRef>
+          <a:fillRef idx="1">
+            <a:schemeClr val="accent1"/>
+          </a:fillRef>
+          <a:effectRef idx="0">
+            <a:schemeClr val="accent1"/>
+          </a:effectRef>
+          <a:fontRef idx="minor">
+            <a:schemeClr val="lt1"/>
+          </a:fontRef>
+        </p:style>
+        <p:txBody>
+          <a:bodyPr rtlCol="0" anchor="ctr"/>
+          <a:lstStyle/>
+          <a:p>
+            <a:pPr algn="ctr"/>
+            <a:endParaRPr lang="en-US"/>
+          </a:p>
+        </p:txBody>
+      </p:sp>
+      <p:sp>
+        <p:nvSpPr>
+          <p:cNvPr id="2" name="Title 1">
+            <a:extLst>
+              <a:ext uri="{FF2B5EF4-FFF2-40B4-BE49-F238E27FC236}">
+                <a16:creationId xmlns:a16="http://schemas.microsoft.com/office/drawing/2014/main" id="{B0CDD510-B73F-DEAA-B1B1-2DC1C51463E1}"/>
+              </a:ext>
+            </a:extLst>
+          </p:cNvPr>
+          <p:cNvSpPr>
+            <a:spLocks noGrp="1"/>
+          </p:cNvSpPr>
+          <p:nvPr>
+            <p:ph type="title"/>
+          </p:nvPr>
+        </p:nvSpPr>
+        <p:spPr>
+          <a:xfrm>
+            <a:off x="473202" y="639520"/>
+            <a:ext cx="2571750" cy="1719072"/>
+          </a:xfrm>
+        </p:spPr>
+        <p:txBody>
+          <a:bodyPr vert="horz" lIns="91440" tIns="45720" rIns="91440" bIns="45720" rtlCol="0" anchor="b">
+            <a:normAutofit/>
+          </a:bodyPr>
+          <a:lstStyle/>
+          <a:p>
+            <a:pPr algn="l" defTabSz="914400">
+              <a:lnSpc>
+                <a:spcPct val="90000"/>
+              </a:lnSpc>
+            </a:pPr>
+            <a:r>
+              <a:rPr lang="en-US" sz="3600" kern="1200">
+                <a:solidFill>
+                  <a:schemeClr val="tx1"/>
+                </a:solidFill>
+                <a:latin typeface="+mj-lt"/>
+                <a:ea typeface="+mj-ea"/>
+                <a:cs typeface="+mj-cs"/>
+              </a:rPr>
+              <a:t>Heat Transfer Movie</a:t>
+            </a:r>
+          </a:p>
+        </p:txBody>
+      </p:sp>
+      <p:sp>
+        <p:nvSpPr>
+          <p:cNvPr id="12" name="sketch line">
+            <a:extLst>
+              <a:ext uri="{FF2B5EF4-FFF2-40B4-BE49-F238E27FC236}">
+                <a16:creationId xmlns:a16="http://schemas.microsoft.com/office/drawing/2014/main" id="{CD8B4F24-440B-49E9-B85D-733523DC064B}"/>
+              </a:ext>
+              <a:ext uri="{C183D7F6-B498-43B3-948B-1728B52AA6E4}">
+                <adec:decorative xmlns:adec="http://schemas.microsoft.com/office/drawing/2017/decorative" val="1"/>
+              </a:ext>
+            </a:extLst>
+          </p:cNvPr>
+          <p:cNvSpPr>
+            <a:spLocks noGrp="1" noRot="1" noChangeAspect="1" noMove="1" noResize="1" noEditPoints="1" noAdjustHandles="1" noChangeArrowheads="1" noChangeShapeType="1" noTextEdit="1"/>
+          </p:cNvSpPr>
+          <p:nvPr>
+            <p:extLst>
+              <p:ext uri="{386F3935-93C4-4BCD-93E2-E3B085C9AB24}">
+                <p16:designElem xmlns:p16="http://schemas.microsoft.com/office/powerpoint/2015/main" val="1"/>
+              </p:ext>
+            </p:extLst>
+          </p:nvPr>
+        </p:nvSpPr>
+        <p:spPr>
+          <a:xfrm>
+            <a:off x="482458" y="2573756"/>
+            <a:ext cx="2441321" cy="18288"/>
+          </a:xfrm>
+          <a:custGeom>
+            <a:avLst/>
+            <a:gdLst>
+              <a:gd name="connsiteX0" fmla="*/ 0 w 2441321"/>
+              <a:gd name="connsiteY0" fmla="*/ 0 h 18288"/>
+              <a:gd name="connsiteX1" fmla="*/ 585917 w 2441321"/>
+              <a:gd name="connsiteY1" fmla="*/ 0 h 18288"/>
+              <a:gd name="connsiteX2" fmla="*/ 1196247 w 2441321"/>
+              <a:gd name="connsiteY2" fmla="*/ 0 h 18288"/>
+              <a:gd name="connsiteX3" fmla="*/ 1806578 w 2441321"/>
+              <a:gd name="connsiteY3" fmla="*/ 0 h 18288"/>
+              <a:gd name="connsiteX4" fmla="*/ 2441321 w 2441321"/>
+              <a:gd name="connsiteY4" fmla="*/ 0 h 18288"/>
+              <a:gd name="connsiteX5" fmla="*/ 2441321 w 2441321"/>
+              <a:gd name="connsiteY5" fmla="*/ 18288 h 18288"/>
+              <a:gd name="connsiteX6" fmla="*/ 1830991 w 2441321"/>
+              <a:gd name="connsiteY6" fmla="*/ 18288 h 18288"/>
+              <a:gd name="connsiteX7" fmla="*/ 1269487 w 2441321"/>
+              <a:gd name="connsiteY7" fmla="*/ 18288 h 18288"/>
+              <a:gd name="connsiteX8" fmla="*/ 707983 w 2441321"/>
+              <a:gd name="connsiteY8" fmla="*/ 18288 h 18288"/>
+              <a:gd name="connsiteX9" fmla="*/ 0 w 2441321"/>
+              <a:gd name="connsiteY9" fmla="*/ 18288 h 18288"/>
+              <a:gd name="connsiteX10" fmla="*/ 0 w 2441321"/>
+              <a:gd name="connsiteY10" fmla="*/ 0 h 18288"/>
+            </a:gdLst>
+            <a:ahLst/>
+            <a:cxnLst>
+              <a:cxn ang="0">
+                <a:pos x="connsiteX0" y="connsiteY0"/>
+              </a:cxn>
+              <a:cxn ang="0">
+                <a:pos x="connsiteX1" y="connsiteY1"/>
+              </a:cxn>
+              <a:cxn ang="0">
+                <a:pos x="connsiteX2" y="connsiteY2"/>
+              </a:cxn>
+              <a:cxn ang="0">
+                <a:pos x="connsiteX3" y="connsiteY3"/>
+              </a:cxn>
+              <a:cxn ang="0">
+                <a:pos x="connsiteX4" y="connsiteY4"/>
+              </a:cxn>
+              <a:cxn ang="0">
+                <a:pos x="connsiteX5" y="connsiteY5"/>
+              </a:cxn>
+              <a:cxn ang="0">
+                <a:pos x="connsiteX6" y="connsiteY6"/>
+              </a:cxn>
+              <a:cxn ang="0">
+                <a:pos x="connsiteX7" y="connsiteY7"/>
+              </a:cxn>
+              <a:cxn ang="0">
+                <a:pos x="connsiteX8" y="connsiteY8"/>
+              </a:cxn>
+              <a:cxn ang="0">
+                <a:pos x="connsiteX9" y="connsiteY9"/>
+              </a:cxn>
+              <a:cxn ang="0">
+                <a:pos x="connsiteX10" y="connsiteY10"/>
+              </a:cxn>
+            </a:cxnLst>
+            <a:rect l="l" t="t" r="r" b="b"/>
+            <a:pathLst>
+              <a:path w="2441321" h="18288" fill="none" extrusionOk="0">
+                <a:moveTo>
+                  <a:pt x="0" y="0"/>
+                </a:moveTo>
+                <a:cubicBezTo>
+                  <a:pt x="273217" y="-17533"/>
+                  <a:pt x="355785" y="-4171"/>
+                  <a:pt x="585917" y="0"/>
+                </a:cubicBezTo>
+                <a:cubicBezTo>
+                  <a:pt x="816049" y="4171"/>
+                  <a:pt x="991446" y="-9419"/>
+                  <a:pt x="1196247" y="0"/>
+                </a:cubicBezTo>
+                <a:cubicBezTo>
+                  <a:pt x="1401048" y="9419"/>
+                  <a:pt x="1589984" y="-731"/>
+                  <a:pt x="1806578" y="0"/>
+                </a:cubicBezTo>
+                <a:cubicBezTo>
+                  <a:pt x="2023172" y="731"/>
+                  <a:pt x="2247754" y="8393"/>
+                  <a:pt x="2441321" y="0"/>
+                </a:cubicBezTo>
+                <a:cubicBezTo>
+                  <a:pt x="2441167" y="8655"/>
+                  <a:pt x="2440437" y="9975"/>
+                  <a:pt x="2441321" y="18288"/>
+                </a:cubicBezTo>
+                <a:cubicBezTo>
+                  <a:pt x="2169723" y="30506"/>
+                  <a:pt x="2045712" y="39140"/>
+                  <a:pt x="1830991" y="18288"/>
+                </a:cubicBezTo>
+                <a:cubicBezTo>
+                  <a:pt x="1616270" y="-2564"/>
+                  <a:pt x="1505876" y="3949"/>
+                  <a:pt x="1269487" y="18288"/>
+                </a:cubicBezTo>
+                <a:cubicBezTo>
+                  <a:pt x="1033098" y="32627"/>
+                  <a:pt x="908661" y="41191"/>
+                  <a:pt x="707983" y="18288"/>
+                </a:cubicBezTo>
+                <a:cubicBezTo>
+                  <a:pt x="507305" y="-4615"/>
+                  <a:pt x="333592" y="20759"/>
+                  <a:pt x="0" y="18288"/>
+                </a:cubicBezTo>
+                <a:cubicBezTo>
+                  <a:pt x="-688" y="11716"/>
+                  <a:pt x="875" y="6357"/>
+                  <a:pt x="0" y="0"/>
+                </a:cubicBezTo>
+                <a:close/>
+              </a:path>
+              <a:path w="2441321" h="18288" stroke="0" extrusionOk="0">
+                <a:moveTo>
+                  <a:pt x="0" y="0"/>
+                </a:moveTo>
+                <a:cubicBezTo>
+                  <a:pt x="207071" y="-14617"/>
+                  <a:pt x="444194" y="-15606"/>
+                  <a:pt x="585917" y="0"/>
+                </a:cubicBezTo>
+                <a:cubicBezTo>
+                  <a:pt x="727640" y="15606"/>
+                  <a:pt x="904326" y="-79"/>
+                  <a:pt x="1123008" y="0"/>
+                </a:cubicBezTo>
+                <a:cubicBezTo>
+                  <a:pt x="1341690" y="79"/>
+                  <a:pt x="1600014" y="10401"/>
+                  <a:pt x="1782164" y="0"/>
+                </a:cubicBezTo>
+                <a:cubicBezTo>
+                  <a:pt x="1964314" y="-10401"/>
+                  <a:pt x="2143537" y="-21488"/>
+                  <a:pt x="2441321" y="0"/>
+                </a:cubicBezTo>
+                <a:cubicBezTo>
+                  <a:pt x="2441735" y="5928"/>
+                  <a:pt x="2441551" y="11133"/>
+                  <a:pt x="2441321" y="18288"/>
+                </a:cubicBezTo>
+                <a:cubicBezTo>
+                  <a:pt x="2166745" y="28773"/>
+                  <a:pt x="2078726" y="15476"/>
+                  <a:pt x="1879817" y="18288"/>
+                </a:cubicBezTo>
+                <a:cubicBezTo>
+                  <a:pt x="1680908" y="21100"/>
+                  <a:pt x="1548770" y="-4127"/>
+                  <a:pt x="1318313" y="18288"/>
+                </a:cubicBezTo>
+                <a:cubicBezTo>
+                  <a:pt x="1087856" y="40703"/>
+                  <a:pt x="894613" y="3927"/>
+                  <a:pt x="659157" y="18288"/>
+                </a:cubicBezTo>
+                <a:cubicBezTo>
+                  <a:pt x="423701" y="32649"/>
+                  <a:pt x="246611" y="33975"/>
+                  <a:pt x="0" y="18288"/>
+                </a:cubicBezTo>
+                <a:cubicBezTo>
+                  <a:pt x="-348" y="10388"/>
+                  <a:pt x="-12" y="3969"/>
+                  <a:pt x="0" y="0"/>
+                </a:cubicBezTo>
+                <a:close/>
+              </a:path>
+            </a:pathLst>
+          </a:custGeom>
+          <a:solidFill>
+            <a:schemeClr val="accent2"/>
+          </a:solidFill>
+          <a:ln w="38100" cap="rnd">
+            <a:solidFill>
+              <a:schemeClr val="accent2"/>
+            </a:solidFill>
+            <a:round/>
+            <a:extLst>
+              <a:ext uri="{C807C97D-BFC1-408E-A445-0C87EB9F89A2}">
+                <ask:lineSketchStyleProps xmlns:ask="http://schemas.microsoft.com/office/drawing/2018/sketchyshapes" sd="1219033472">
+                  <a:prstGeom prst="rect">
+                    <a:avLst/>
+                  </a:prstGeom>
+                  <ask:type>
+                    <ask:lineSketchFreehand/>
+                  </ask:type>
+                </ask:lineSketchStyleProps>
+              </a:ext>
+            </a:extLst>
+          </a:ln>
+        </p:spPr>
+        <p:style>
+          <a:lnRef idx="2">
+            <a:schemeClr val="accent1">
+              <a:shade val="50000"/>
+            </a:schemeClr>
+          </a:lnRef>
+          <a:fillRef idx="1">
+            <a:schemeClr val="accent1"/>
+          </a:fillRef>
+          <a:effectRef idx="0">
+            <a:schemeClr val="accent1"/>
+          </a:effectRef>
+          <a:fontRef idx="minor">
+            <a:schemeClr val="lt1"/>
+          </a:fontRef>
+        </p:style>
+        <p:txBody>
+          <a:bodyPr rtlCol="0" anchor="ctr"/>
+          <a:lstStyle/>
+          <a:p>
+            <a:pPr algn="ctr"/>
+            <a:endParaRPr lang="en-US"/>
+          </a:p>
+        </p:txBody>
+      </p:sp>
+      <p:sp>
+        <p:nvSpPr>
+          <p:cNvPr id="5" name="TextBox 4">
+            <a:extLst>
+              <a:ext uri="{FF2B5EF4-FFF2-40B4-BE49-F238E27FC236}">
+                <a16:creationId xmlns:a16="http://schemas.microsoft.com/office/drawing/2014/main" id="{D61CE248-E0C0-E8AE-3D82-C2A804B70955}"/>
+              </a:ext>
+            </a:extLst>
+          </p:cNvPr>
+          <p:cNvSpPr txBox="1"/>
+          <p:nvPr/>
+        </p:nvSpPr>
+        <p:spPr>
+          <a:xfrm>
+            <a:off x="473202" y="2807208"/>
+            <a:ext cx="2571750" cy="3410712"/>
+          </a:xfrm>
+          <a:prstGeom prst="rect">
+            <a:avLst/>
+          </a:prstGeom>
+        </p:spPr>
+        <p:txBody>
+          <a:bodyPr vert="horz" lIns="91440" tIns="45720" rIns="91440" bIns="45720" rtlCol="0" anchor="t">
+            <a:normAutofit/>
+          </a:bodyPr>
+          <a:lstStyle/>
+          <a:p>
+            <a:pPr indent="-228600" defTabSz="914400">
+              <a:lnSpc>
+                <a:spcPct val="90000"/>
+              </a:lnSpc>
+              <a:spcAft>
+                <a:spcPts val="600"/>
+              </a:spcAft>
+              <a:buFont typeface="Arial" panose="020B0604020202020204" pitchFamily="34" charset="0"/>
+              <a:buChar char="•"/>
+            </a:pPr>
+            <a:r>
+              <a:rPr lang="en-US" sz="1900"/>
+              <a:t>100 x 100 Matrix</a:t>
+            </a:r>
+          </a:p>
+          <a:p>
+            <a:pPr indent="-228600" defTabSz="914400">
+              <a:lnSpc>
+                <a:spcPct val="90000"/>
+              </a:lnSpc>
+              <a:spcAft>
+                <a:spcPts val="600"/>
+              </a:spcAft>
+              <a:buFont typeface="Arial" panose="020B0604020202020204" pitchFamily="34" charset="0"/>
+              <a:buChar char="•"/>
+            </a:pPr>
+            <a:endParaRPr lang="en-US" sz="1900"/>
+          </a:p>
+          <a:p>
+            <a:pPr indent="-228600" defTabSz="914400">
+              <a:lnSpc>
+                <a:spcPct val="90000"/>
+              </a:lnSpc>
+              <a:spcAft>
+                <a:spcPts val="600"/>
+              </a:spcAft>
+              <a:buFont typeface="Arial" panose="020B0604020202020204" pitchFamily="34" charset="0"/>
+              <a:buChar char="•"/>
+            </a:pPr>
+            <a:r>
+              <a:rPr lang="en-US" sz="1900"/>
+              <a:t>5000 Iterations</a:t>
+            </a:r>
+          </a:p>
+        </p:txBody>
+      </p:sp>
+      <p:pic>
+        <p:nvPicPr>
+          <p:cNvPr id="4" name="100_100_matrix_5000_iterations">
+            <a:hlinkClick r:id="" action="ppaction://media"/>
+            <a:extLst>
+              <a:ext uri="{FF2B5EF4-FFF2-40B4-BE49-F238E27FC236}">
+                <a16:creationId xmlns:a16="http://schemas.microsoft.com/office/drawing/2014/main" id="{418D0CC4-96BD-7F1A-9375-616427D8B3B3}"/>
+              </a:ext>
+            </a:extLst>
+          </p:cNvPr>
+          <p:cNvPicPr>
+            <a:picLocks noChangeAspect="1"/>
+          </p:cNvPicPr>
+          <p:nvPr>
+            <a:videoFile r:link="rId2"/>
+            <p:extLst>
+              <p:ext uri="{DAA4B4D4-6D71-4841-9C94-3DE7FCFB9230}">
+                <p14:media xmlns:p14="http://schemas.microsoft.com/office/powerpoint/2010/main" r:embed="rId1"/>
+              </p:ext>
+            </p:extLst>
+          </p:nvPr>
+        </p:nvPicPr>
+        <p:blipFill>
+          <a:blip r:embed="rId4"/>
+          <a:stretch>
+            <a:fillRect/>
+          </a:stretch>
+        </p:blipFill>
+        <p:spPr>
+          <a:xfrm>
+            <a:off x="3490722" y="1487329"/>
+            <a:ext cx="5177790" cy="3883342"/>
+          </a:xfrm>
+          <a:prstGeom prst="rect">
+            <a:avLst/>
+          </a:prstGeom>
+        </p:spPr>
+      </p:pic>
+    </p:spTree>
+    <p:extLst>
+      <p:ext uri="{BB962C8B-B14F-4D97-AF65-F5344CB8AC3E}">
+        <p14:creationId xmlns:p14="http://schemas.microsoft.com/office/powerpoint/2010/main" val="475135305"/>
+      </p:ext>
+    </p:extLst>
+  </p:cSld>
+  <p:clrMapOvr>
+    <a:masterClrMapping/>
+  </p:clrMapOvr>
+  <p:timing>
+    <p:tnLst>
+      <p:par>
+        <p:cTn id="1" dur="indefinite" restart="never" nodeType="tmRoot">
+          <p:childTnLst>
+            <p:seq concurrent="1" nextAc="seek">
+              <p:cTn id="2" dur="indefinite" nodeType="mainSeq">
+                <p:childTnLst>
+                  <p:par>
+                    <p:cTn id="3" fill="hold">
+                      <p:stCondLst>
+                        <p:cond delay="indefinite"/>
+                      </p:stCondLst>
+                      <p:childTnLst>
+                        <p:par>
+                          <p:cTn id="4" fill="hold">
+                            <p:stCondLst>
+                              <p:cond delay="0"/>
+                            </p:stCondLst>
+                            <p:childTnLst>
+                              <p:par>
+                                <p:cTn id="5" presetID="1" presetClass="mediacall" presetSubtype="0" fill="hold" nodeType="clickEffect">
+                                  <p:stCondLst>
+                                    <p:cond delay="0"/>
+                                  </p:stCondLst>
+                                  <p:childTnLst>
+                                    <p:cmd type="call" cmd="playFrom(0.0)">
+                                      <p:cBhvr>
+                                        <p:cTn id="6" dur="250050" fill="hold"/>
+                                        <p:tgtEl>
+                                          <p:spTgt spid="4"/>
+                                        </p:tgtEl>
+                                      </p:cBhvr>
+                                    </p:cmd>
+                                  </p:childTnLst>
+                                </p:cTn>
+                              </p:par>
+                            </p:childTnLst>
+                          </p:cTn>
+                        </p:par>
+                      </p:childTnLst>
+                    </p:cTn>
+                  </p:par>
+                </p:childTnLst>
+              </p:cTn>
+              <p:prevCondLst>
+                <p:cond evt="onPrev" delay="0">
+                  <p:tgtEl>
+                    <p:sldTgt/>
+                  </p:tgtEl>
+                </p:cond>
+              </p:prevCondLst>
+              <p:nextCondLst>
+                <p:cond evt="onNext" delay="0">
+                  <p:tgtEl>
+                    <p:sldTgt/>
+                  </p:tgtEl>
+                </p:cond>
+              </p:nextCondLst>
+            </p:seq>
+            <p:video>
+              <p:cMediaNode vol="80000">
+                <p:cTn id="7" fill="hold" display="0">
+                  <p:stCondLst>
+                    <p:cond delay="indefinite"/>
+                  </p:stCondLst>
+                </p:cTn>
+                <p:tgtEl>
+                  <p:spTgt spid="4"/>
+                </p:tgtEl>
+              </p:cMediaNode>
+            </p:video>
+            <p:seq concurrent="1" nextAc="seek">
+              <p:cTn id="8" restart="whenNotActive" fill="hold" evtFilter="cancelBubble" nodeType="interactiveSeq">
+                <p:stCondLst>
+                  <p:cond evt="onClick" delay="0">
+                    <p:tgtEl>
+                      <p:spTgt spid="4"/>
+                    </p:tgtEl>
+                  </p:cond>
+                </p:stCondLst>
+                <p:endSync evt="end" delay="0">
+                  <p:rtn val="all"/>
+                </p:endSync>
+                <p:childTnLst>
+                  <p:par>
+                    <p:cTn id="9" fill="hold">
+                      <p:stCondLst>
+                        <p:cond delay="0"/>
+                      </p:stCondLst>
+                      <p:childTnLst>
+                        <p:par>
+                          <p:cTn id="10" fill="hold">
+                            <p:stCondLst>
+                              <p:cond delay="0"/>
+                            </p:stCondLst>
+                            <p:childTnLst>
+                              <p:par>
+                                <p:cTn id="11" presetID="2" presetClass="mediacall" presetSubtype="0" fill="hold" nodeType="clickEffect">
+                                  <p:stCondLst>
+                                    <p:cond delay="0"/>
+                                  </p:stCondLst>
+                                  <p:childTnLst>
+                                    <p:cmd type="call" cmd="togglePause">
+                                      <p:cBhvr>
+                                        <p:cTn id="12" dur="1" fill="hold"/>
+                                        <p:tgtEl>
+                                          <p:spTgt spid="4"/>
+                                        </p:tgtEl>
+                                      </p:cBhvr>
+                                    </p:cmd>
+                                  </p:childTnLst>
+                                </p:cTn>
+                              </p:par>
+                            </p:childTnLst>
+                          </p:cTn>
+                        </p:par>
+                      </p:childTnLst>
+                    </p:cTn>
+                  </p:par>
+                </p:childTnLst>
+              </p:cTn>
+              <p:nextCondLst>
+                <p:cond evt="onClick" delay="0">
+                  <p:tgtEl>
+                    <p:spTgt spid="4"/>
+                  </p:tgtEl>
+                </p:cond>
+              </p:nextCondLst>
+            </p:seq>
+          </p:childTnLst>
+        </p:cTn>
+      </p:par>
+    </p:tnLst>
+  </p:timing>
+</p:sld>
+</file>
+
+<file path=ppt/slides/slide13.xml><?xml version="1.0" encoding="utf-8"?>
 <p:sld xmlns:a="http://schemas.openxmlformats.org/drawingml/2006/main" xmlns:r="http://schemas.openxmlformats.org/officeDocument/2006/relationships" xmlns:p="http://schemas.openxmlformats.org/presentationml/2006/main">
   <p:cSld>
     <p:spTree>
@@ -3387,7 +4624,7 @@
           <a:lstStyle/>
           <a:p>
             <a:r>
-              <a:t>MPI Implementation</a:t>
+              <a:t>Results and Analysis</a:t>
             </a:r>
           </a:p>
         </p:txBody>
@@ -3404,171 +4641,64 @@
         </p:nvSpPr>
         <p:spPr/>
         <p:txBody>
-          <a:bodyPr/>
-          <a:lstStyle/>
-          <a:p>
-            <a:r>
-              <a:t>MPI distributes the matrix rows across processes, with halo exchanges for boundary communication, optimizing performance on distributed memory systems.</a:t>
-            </a:r>
-          </a:p>
-        </p:txBody>
-      </p:sp>
-      <p:sp>
-        <p:nvSpPr>
-          <p:cNvPr id="4" name="TextBox 3"/>
-          <p:cNvSpPr txBox="1"/>
-          <p:nvPr/>
-        </p:nvSpPr>
-        <p:spPr>
-          <a:xfrm>
-            <a:off x="986009" y="3721040"/>
-            <a:ext cx="7171981" cy="2862322"/>
-          </a:xfrm>
-          <a:prstGeom prst="rect">
-            <a:avLst/>
-          </a:prstGeom>
-          <a:noFill/>
-        </p:spPr>
-        <p:txBody>
-          <a:bodyPr wrap="square">
-            <a:spAutoFit/>
+          <a:bodyPr>
+            <a:normAutofit fontScale="85000" lnSpcReduction="20000"/>
           </a:bodyPr>
           <a:lstStyle/>
           <a:p>
+            <a:r>
+              <a:rPr dirty="0"/>
+              <a:t>Performance comparisons revealed distinct patterns:</a:t>
+            </a:r>
+          </a:p>
+          <a:p>
+            <a:pPr marL="0" indent="0">
+              <a:buNone/>
+            </a:pPr>
             <a:endParaRPr dirty="0"/>
           </a:p>
           <a:p>
             <a:r>
               <a:rPr dirty="0"/>
-              <a:t>void stencil2DMPI(double **subs, double **subs1, </a:t>
+              <a:t>- OpenMP and </a:t>
             </a:r>
             <a:r>
               <a:rPr dirty="0" err="1"/>
-              <a:t>MPI_Datatype</a:t>
-            </a:r>
-            <a:r>
-              <a:rPr dirty="0"/>
-              <a:t> </a:t>
+              <a:t>Pthreads</a:t>
+            </a:r>
+            <a:r>
+              <a:rPr dirty="0"/>
+              <a:t> showed similar scaling for single-node systems.</a:t>
+            </a:r>
+          </a:p>
+          <a:p>
+            <a:r>
+              <a:rPr dirty="0"/>
+              <a:t>- MPI achieved strong scaling across nodes but had communication overhead.</a:t>
+            </a:r>
+          </a:p>
+          <a:p>
+            <a:r>
+              <a:rPr dirty="0"/>
+              <a:t>- Hybrid </a:t>
             </a:r>
             <a:r>
               <a:rPr dirty="0" err="1"/>
-              <a:t>dtype</a:t>
-            </a:r>
-            <a:r>
-              <a:rPr dirty="0"/>
-              <a:t>, int m, int n, </a:t>
-            </a:r>
-            <a:r>
-              <a:rPr dirty="0" err="1"/>
-              <a:t>MPI_Comm</a:t>
-            </a:r>
-            <a:r>
-              <a:rPr dirty="0"/>
-              <a:t> comm) {</a:t>
-            </a:r>
-          </a:p>
-          <a:p>
-            <a:r>
-              <a:rPr dirty="0"/>
-              <a:t>    for (int </a:t>
-            </a:r>
-            <a:r>
-              <a:rPr dirty="0" err="1"/>
-              <a:t>i</a:t>
-            </a:r>
-            <a:r>
-              <a:rPr dirty="0"/>
-              <a:t> = 1; </a:t>
-            </a:r>
-            <a:r>
-              <a:rPr dirty="0" err="1"/>
-              <a:t>i</a:t>
-            </a:r>
-            <a:r>
-              <a:rPr dirty="0"/>
-              <a:t> &lt; </a:t>
-            </a:r>
-            <a:r>
-              <a:rPr dirty="0" err="1"/>
-              <a:t>local_rows</a:t>
-            </a:r>
-            <a:r>
-              <a:rPr dirty="0"/>
-              <a:t> - 1; </a:t>
-            </a:r>
-            <a:r>
-              <a:rPr dirty="0" err="1"/>
-              <a:t>i</a:t>
-            </a:r>
-            <a:r>
-              <a:rPr dirty="0"/>
-              <a:t>++) {</a:t>
-            </a:r>
-          </a:p>
-          <a:p>
-            <a:r>
-              <a:rPr dirty="0"/>
-              <a:t>        for (int j = 1; j &lt; n - 1; </a:t>
-            </a:r>
-            <a:r>
-              <a:rPr dirty="0" err="1"/>
-              <a:t>j++</a:t>
-            </a:r>
-            <a:r>
-              <a:rPr dirty="0"/>
-              <a:t>) {</a:t>
-            </a:r>
-          </a:p>
-          <a:p>
-            <a:r>
-              <a:rPr dirty="0"/>
-              <a:t>            subs1[</a:t>
-            </a:r>
-            <a:r>
-              <a:rPr dirty="0" err="1"/>
-              <a:t>i</a:t>
-            </a:r>
-            <a:r>
-              <a:rPr dirty="0"/>
-              <a:t>][j] = (subs[</a:t>
-            </a:r>
-            <a:r>
-              <a:rPr dirty="0" err="1"/>
-              <a:t>i</a:t>
-            </a:r>
-            <a:r>
-              <a:rPr dirty="0"/>
-              <a:t> - 1][j - 1] + ... + subs[</a:t>
-            </a:r>
-            <a:r>
-              <a:rPr dirty="0" err="1"/>
-              <a:t>i</a:t>
-            </a:r>
-            <a:r>
-              <a:rPr dirty="0"/>
-              <a:t>][j]) / 9.0;</a:t>
-            </a:r>
-          </a:p>
-          <a:p>
-            <a:r>
-              <a:rPr dirty="0"/>
-              <a:t>        }</a:t>
-            </a:r>
-          </a:p>
-          <a:p>
-            <a:r>
-              <a:rPr dirty="0"/>
-              <a:t>    }</a:t>
-            </a:r>
-          </a:p>
-          <a:p>
-            <a:r>
-              <a:rPr dirty="0"/>
-              <a:t>}</a:t>
+              <a:t>MPI+OpenMP</a:t>
+            </a:r>
+            <a:r>
+              <a:rPr dirty="0"/>
+              <a:t> offered the best balance for large problem sizes.</a:t>
             </a:r>
           </a:p>
           <a:p>
             <a:endParaRPr dirty="0"/>
+          </a:p>
+          <a:p>
+            <a:r>
+              <a:rPr dirty="0"/>
+              <a:t>Graphs illustrate speedup, efficiency, and resource utilization trends.</a:t>
+            </a:r>
           </a:p>
         </p:txBody>
       </p:sp>
@@ -3580,7 +4710,7 @@
 </p:sld>
 </file>
 
-<file path=ppt/slides/slide12.xml><?xml version="1.0" encoding="utf-8"?>
+<file path=ppt/slides/slide14.xml><?xml version="1.0" encoding="utf-8"?>
 <p:sld xmlns:a="http://schemas.openxmlformats.org/drawingml/2006/main" xmlns:r="http://schemas.openxmlformats.org/officeDocument/2006/relationships" xmlns:p="http://schemas.openxmlformats.org/presentationml/2006/main">
   <p:cSld>
     <p:spTree>
@@ -3613,7 +4743,7 @@
           <a:lstStyle/>
           <a:p>
             <a:r>
-              <a:t>Hybrid MPI+OpenMP Implementation</a:t>
+              <a:t>Conclusions</a:t>
             </a:r>
           </a:p>
         </p:txBody>
@@ -3630,159 +4760,71 @@
         </p:nvSpPr>
         <p:spPr/>
         <p:txBody>
-          <a:bodyPr/>
-          <a:lstStyle/>
-          <a:p>
-            <a:r>
-              <a:t>This implementation combines inter-node MPI communication with intra-node OpenMP parallelization, achieving optimal scalability for large problem sizes.</a:t>
-            </a:r>
-          </a:p>
-        </p:txBody>
-      </p:sp>
-      <p:sp>
-        <p:nvSpPr>
-          <p:cNvPr id="4" name="TextBox 3"/>
-          <p:cNvSpPr txBox="1"/>
-          <p:nvPr/>
-        </p:nvSpPr>
-        <p:spPr>
-          <a:xfrm>
-            <a:off x="914400" y="3429000"/>
-            <a:ext cx="8229600" cy="1828800"/>
-          </a:xfrm>
-          <a:prstGeom prst="rect">
-            <a:avLst/>
-          </a:prstGeom>
-          <a:noFill/>
-        </p:spPr>
-        <p:txBody>
-          <a:bodyPr wrap="none">
-            <a:spAutoFit/>
+          <a:bodyPr>
+            <a:normAutofit fontScale="70000" lnSpcReduction="20000"/>
           </a:bodyPr>
           <a:lstStyle/>
           <a:p>
+            <a:r>
+              <a:rPr dirty="0"/>
+              <a:t>Key Findings:</a:t>
+            </a:r>
+          </a:p>
+          <a:p>
+            <a:pPr marL="0" indent="0">
+              <a:buNone/>
+            </a:pPr>
             <a:endParaRPr dirty="0"/>
           </a:p>
           <a:p>
             <a:r>
               <a:rPr dirty="0"/>
-              <a:t>#pragma </a:t>
+              <a:t>- Parallelization significantly improves performance for large matrices.</a:t>
+            </a:r>
+          </a:p>
+          <a:p>
+            <a:r>
+              <a:rPr dirty="0"/>
+              <a:t>- Hybrid </a:t>
             </a:r>
             <a:r>
               <a:rPr dirty="0" err="1"/>
-              <a:t>omp</a:t>
-            </a:r>
-            <a:r>
-              <a:rPr dirty="0"/>
-              <a:t> parallel for</a:t>
-            </a:r>
-          </a:p>
-          <a:p>
-            <a:r>
-              <a:rPr dirty="0"/>
-              <a:t>for (int </a:t>
-            </a:r>
-            <a:r>
-              <a:rPr dirty="0" err="1"/>
-              <a:t>i</a:t>
-            </a:r>
-            <a:r>
-              <a:rPr dirty="0"/>
-              <a:t> = 1; </a:t>
-            </a:r>
-            <a:r>
-              <a:rPr dirty="0" err="1"/>
-              <a:t>i</a:t>
-            </a:r>
-            <a:r>
-              <a:rPr dirty="0"/>
-              <a:t> &lt; </a:t>
-            </a:r>
-            <a:r>
-              <a:rPr dirty="0" err="1"/>
-              <a:t>local_rows</a:t>
-            </a:r>
-            <a:r>
-              <a:rPr dirty="0"/>
-              <a:t> - 1; </a:t>
-            </a:r>
-            <a:r>
-              <a:rPr dirty="0" err="1"/>
-              <a:t>i</a:t>
-            </a:r>
-            <a:r>
-              <a:rPr dirty="0"/>
-              <a:t>++) {</a:t>
-            </a:r>
-          </a:p>
-          <a:p>
-            <a:r>
-              <a:rPr dirty="0"/>
-              <a:t>    for (int j = 1; j &lt; n - 1; </a:t>
-            </a:r>
-            <a:r>
-              <a:rPr dirty="0" err="1"/>
-              <a:t>j++</a:t>
-            </a:r>
-            <a:r>
-              <a:rPr dirty="0"/>
-              <a:t>) {</a:t>
-            </a:r>
-          </a:p>
-          <a:p>
-            <a:r>
-              <a:rPr dirty="0"/>
-              <a:t>        subs1[</a:t>
-            </a:r>
-            <a:r>
-              <a:rPr dirty="0" err="1"/>
-              <a:t>i</a:t>
-            </a:r>
-            <a:r>
-              <a:rPr dirty="0"/>
-              <a:t>][j] = (subs[</a:t>
-            </a:r>
-            <a:r>
-              <a:rPr dirty="0" err="1"/>
-              <a:t>i</a:t>
-            </a:r>
-            <a:r>
-              <a:rPr dirty="0"/>
-              <a:t> - 1][j - 1] + ... + subs[</a:t>
-            </a:r>
-            <a:r>
-              <a:rPr dirty="0" err="1"/>
-              <a:t>i</a:t>
-            </a:r>
-            <a:r>
-              <a:rPr dirty="0"/>
-              <a:t>][j]) / 9.0;</a:t>
-            </a:r>
-          </a:p>
-          <a:p>
-            <a:r>
-              <a:rPr dirty="0"/>
-              <a:t>    }</a:t>
-            </a:r>
-          </a:p>
-          <a:p>
-            <a:r>
-              <a:rPr dirty="0"/>
-              <a:t>}</a:t>
-            </a:r>
-          </a:p>
-          <a:p>
-            <a:r>
-              <a:rPr dirty="0" err="1"/>
-              <a:t>MPI_Barrier</a:t>
-            </a:r>
-            <a:r>
-              <a:rPr dirty="0"/>
-              <a:t>(comm); // Synchronization across processes</a:t>
+              <a:t>MPI+OpenMP</a:t>
+            </a:r>
+            <a:r>
+              <a:rPr dirty="0"/>
+              <a:t> balances computational and communication overhead.</a:t>
+            </a:r>
+          </a:p>
+          <a:p>
+            <a:r>
+              <a:rPr dirty="0"/>
+              <a:t>- Resource management and optimization are critical for scalability.</a:t>
             </a:r>
           </a:p>
           <a:p>
             <a:endParaRPr dirty="0"/>
+          </a:p>
+          <a:p>
+            <a:r>
+              <a:rPr dirty="0"/>
+              <a:t>Future Directions:</a:t>
+            </a:r>
+          </a:p>
+          <a:p>
+            <a:endParaRPr dirty="0"/>
+          </a:p>
+          <a:p>
+            <a:r>
+              <a:rPr dirty="0"/>
+              <a:t>- Explore GPU acceleration and adaptive load balancing.</a:t>
+            </a:r>
+          </a:p>
+          <a:p>
+            <a:r>
+              <a:rPr dirty="0"/>
+              <a:t>- Optimize communication and memory access patterns.</a:t>
+            </a:r>
           </a:p>
         </p:txBody>
       </p:sp>
@@ -4348,7 +5390,7 @@
           <a:lstStyle/>
           <a:p>
             <a:r>
-              <a:t>Results and Analysis</a:t>
+              <a:t>POSIX Threads Implementation</a:t>
             </a:r>
           </a:p>
         </p:txBody>
@@ -4363,66 +5405,321 @@
             <p:ph idx="1"/>
           </p:nvPr>
         </p:nvSpPr>
-        <p:spPr/>
+        <p:spPr>
+          <a:xfrm>
+            <a:off x="457200" y="1247660"/>
+            <a:ext cx="8229600" cy="4525963"/>
+          </a:xfrm>
+        </p:spPr>
         <p:txBody>
           <a:bodyPr>
-            <a:normAutofit fontScale="85000" lnSpcReduction="20000"/>
+            <a:normAutofit/>
           </a:bodyPr>
           <a:lstStyle/>
           <a:p>
             <a:r>
-              <a:rPr dirty="0"/>
-              <a:t>Performance comparisons revealed distinct patterns:</a:t>
-            </a:r>
-          </a:p>
-          <a:p>
-            <a:pPr marL="0" indent="0">
-              <a:buNone/>
-            </a:pPr>
+              <a:rPr sz="2800" dirty="0"/>
+              <a:t>This implementation uses POSIX threads to divide the workload across multiple threads, with explicit synchronization and memory management.</a:t>
+            </a:r>
+          </a:p>
+        </p:txBody>
+      </p:sp>
+      <p:sp>
+        <p:nvSpPr>
+          <p:cNvPr id="4" name="TextBox 3"/>
+          <p:cNvSpPr txBox="1"/>
+          <p:nvPr/>
+        </p:nvSpPr>
+        <p:spPr>
+          <a:xfrm>
+            <a:off x="633470" y="2681230"/>
+            <a:ext cx="8229600" cy="1828800"/>
+          </a:xfrm>
+          <a:prstGeom prst="rect">
+            <a:avLst/>
+          </a:prstGeom>
+          <a:noFill/>
+        </p:spPr>
+        <p:txBody>
+          <a:bodyPr wrap="none">
+            <a:spAutoFit/>
+          </a:bodyPr>
+          <a:lstStyle/>
+          <a:p>
             <a:endParaRPr dirty="0"/>
           </a:p>
           <a:p>
             <a:r>
               <a:rPr dirty="0"/>
-              <a:t>- OpenMP and </a:t>
+              <a:t>void* </a:t>
             </a:r>
             <a:r>
               <a:rPr dirty="0" err="1"/>
-              <a:t>Pthreads</a:t>
-            </a:r>
-            <a:r>
-              <a:rPr dirty="0"/>
-              <a:t> showed similar scaling for single-node systems.</a:t>
-            </a:r>
-          </a:p>
-          <a:p>
-            <a:r>
-              <a:rPr dirty="0"/>
-              <a:t>- MPI achieved strong scaling across nodes but had communication overhead.</a:t>
-            </a:r>
-          </a:p>
-          <a:p>
-            <a:r>
-              <a:rPr dirty="0"/>
-              <a:t>- Hybrid </a:t>
+              <a:t>stencil_thread_func</a:t>
+            </a:r>
+            <a:r>
+              <a:rPr dirty="0"/>
+              <a:t>(void* </a:t>
             </a:r>
             <a:r>
               <a:rPr dirty="0" err="1"/>
-              <a:t>MPI+OpenMP</a:t>
-            </a:r>
-            <a:r>
-              <a:rPr dirty="0"/>
-              <a:t> offered the best balance for large problem sizes.</a:t>
+              <a:t>args</a:t>
+            </a:r>
+            <a:r>
+              <a:rPr dirty="0"/>
+              <a:t>) {</a:t>
+            </a:r>
+          </a:p>
+          <a:p>
+            <a:r>
+              <a:rPr dirty="0"/>
+              <a:t>    </a:t>
+            </a:r>
+            <a:r>
+              <a:rPr dirty="0" err="1"/>
+              <a:t>ThreadArgs</a:t>
+            </a:r>
+            <a:r>
+              <a:rPr dirty="0"/>
+              <a:t>* </a:t>
+            </a:r>
+            <a:r>
+              <a:rPr dirty="0" err="1"/>
+              <a:t>threadArgs</a:t>
+            </a:r>
+            <a:r>
+              <a:rPr dirty="0"/>
+              <a:t> = (</a:t>
+            </a:r>
+            <a:r>
+              <a:rPr dirty="0" err="1"/>
+              <a:t>ThreadArgs</a:t>
+            </a:r>
+            <a:r>
+              <a:rPr dirty="0"/>
+              <a:t>*)</a:t>
+            </a:r>
+            <a:r>
+              <a:rPr dirty="0" err="1"/>
+              <a:t>args</a:t>
+            </a:r>
+            <a:r>
+              <a:rPr dirty="0"/>
+              <a:t>;</a:t>
+            </a:r>
+          </a:p>
+          <a:p>
+            <a:r>
+              <a:rPr dirty="0"/>
+              <a:t>    for (int </a:t>
+            </a:r>
+            <a:r>
+              <a:rPr dirty="0" err="1"/>
+              <a:t>iter</a:t>
+            </a:r>
+            <a:r>
+              <a:rPr dirty="0"/>
+              <a:t> = 0; </a:t>
+            </a:r>
+            <a:r>
+              <a:rPr dirty="0" err="1"/>
+              <a:t>iter</a:t>
+            </a:r>
+            <a:r>
+              <a:rPr dirty="0"/>
+              <a:t> &lt; </a:t>
+            </a:r>
+            <a:r>
+              <a:rPr dirty="0" err="1"/>
+              <a:t>threadArgs</a:t>
+            </a:r>
+            <a:r>
+              <a:rPr dirty="0"/>
+              <a:t>-&gt;</a:t>
+            </a:r>
+            <a:r>
+              <a:rPr dirty="0" err="1"/>
+              <a:t>numIterations</a:t>
+            </a:r>
+            <a:r>
+              <a:rPr dirty="0"/>
+              <a:t>; </a:t>
+            </a:r>
+            <a:r>
+              <a:rPr dirty="0" err="1"/>
+              <a:t>iter</a:t>
+            </a:r>
+            <a:r>
+              <a:rPr dirty="0"/>
+              <a:t>++) {</a:t>
+            </a:r>
+          </a:p>
+          <a:p>
+            <a:r>
+              <a:rPr dirty="0"/>
+              <a:t>        for (int </a:t>
+            </a:r>
+            <a:r>
+              <a:rPr dirty="0" err="1"/>
+              <a:t>i</a:t>
+            </a:r>
+            <a:r>
+              <a:rPr dirty="0"/>
+              <a:t> = </a:t>
+            </a:r>
+            <a:r>
+              <a:rPr dirty="0" err="1"/>
+              <a:t>actualStart</a:t>
+            </a:r>
+            <a:r>
+              <a:rPr dirty="0"/>
+              <a:t>; </a:t>
+            </a:r>
+            <a:r>
+              <a:rPr dirty="0" err="1"/>
+              <a:t>i</a:t>
+            </a:r>
+            <a:r>
+              <a:rPr dirty="0"/>
+              <a:t> &lt;= </a:t>
+            </a:r>
+            <a:r>
+              <a:rPr dirty="0" err="1"/>
+              <a:t>actualEnd</a:t>
+            </a:r>
+            <a:r>
+              <a:rPr dirty="0"/>
+              <a:t>; </a:t>
+            </a:r>
+            <a:r>
+              <a:rPr dirty="0" err="1"/>
+              <a:t>i</a:t>
+            </a:r>
+            <a:r>
+              <a:rPr dirty="0"/>
+              <a:t>++) {</a:t>
+            </a:r>
+          </a:p>
+          <a:p>
+            <a:r>
+              <a:rPr dirty="0"/>
+              <a:t>            for (int j = 1; j &lt; cols-1; </a:t>
+            </a:r>
+            <a:r>
+              <a:rPr dirty="0" err="1"/>
+              <a:t>j++</a:t>
+            </a:r>
+            <a:r>
+              <a:rPr dirty="0"/>
+              <a:t>) {</a:t>
+            </a:r>
+          </a:p>
+          <a:p>
+            <a:r>
+              <a:rPr dirty="0"/>
+              <a:t>                matrix1[</a:t>
+            </a:r>
+            <a:r>
+              <a:rPr dirty="0" err="1"/>
+              <a:t>i</a:t>
+            </a:r>
+            <a:r>
+              <a:rPr dirty="0"/>
+              <a:t>][j] = (matrix[</a:t>
+            </a:r>
+            <a:r>
+              <a:rPr dirty="0" err="1"/>
+              <a:t>i</a:t>
+            </a:r>
+            <a:r>
+              <a:rPr dirty="0"/>
+              <a:t> - 1][j - 1] + ... + matrix[</a:t>
+            </a:r>
+            <a:r>
+              <a:rPr dirty="0" err="1"/>
+              <a:t>i</a:t>
+            </a:r>
+            <a:r>
+              <a:rPr dirty="0"/>
+              <a:t>][j]) / 9.0;</a:t>
+            </a:r>
+          </a:p>
+          <a:p>
+            <a:r>
+              <a:rPr dirty="0"/>
+              <a:t>            }</a:t>
+            </a:r>
+          </a:p>
+          <a:p>
+            <a:r>
+              <a:rPr dirty="0"/>
+              <a:t>        }</a:t>
+            </a:r>
+          </a:p>
+          <a:p>
+            <a:r>
+              <a:rPr dirty="0"/>
+              <a:t>        </a:t>
+            </a:r>
+            <a:r>
+              <a:rPr dirty="0" err="1"/>
+              <a:t>my_barrier_wait</a:t>
+            </a:r>
+            <a:r>
+              <a:rPr dirty="0"/>
+              <a:t>(</a:t>
+            </a:r>
+            <a:r>
+              <a:rPr dirty="0" err="1"/>
+              <a:t>threadArgs</a:t>
+            </a:r>
+            <a:r>
+              <a:rPr dirty="0"/>
+              <a:t>-&gt;barrier);</a:t>
+            </a:r>
+          </a:p>
+          <a:p>
+            <a:r>
+              <a:rPr dirty="0"/>
+              <a:t>        double **temp = matrix1; matrix1 = matrix; matrix = temp;</a:t>
+            </a:r>
+          </a:p>
+          <a:p>
+            <a:r>
+              <a:rPr dirty="0"/>
+              <a:t>        </a:t>
+            </a:r>
+            <a:r>
+              <a:rPr dirty="0" err="1"/>
+              <a:t>my_barrier_wait</a:t>
+            </a:r>
+            <a:r>
+              <a:rPr dirty="0"/>
+              <a:t>(</a:t>
+            </a:r>
+            <a:r>
+              <a:rPr dirty="0" err="1"/>
+              <a:t>threadArgs</a:t>
+            </a:r>
+            <a:r>
+              <a:rPr dirty="0"/>
+              <a:t>-&gt;barrier);</a:t>
+            </a:r>
+          </a:p>
+          <a:p>
+            <a:r>
+              <a:rPr dirty="0"/>
+              <a:t>    }</a:t>
+            </a:r>
+          </a:p>
+          <a:p>
+            <a:r>
+              <a:rPr dirty="0"/>
+              <a:t>}</a:t>
             </a:r>
           </a:p>
           <a:p>
             <a:endParaRPr dirty="0"/>
-          </a:p>
-          <a:p>
-            <a:r>
-              <a:rPr dirty="0"/>
-              <a:t>Graphs illustrate speedup, efficiency, and resource utilization trends.</a:t>
-            </a:r>
           </a:p>
         </p:txBody>
       </p:sp>
@@ -4467,7 +5764,7 @@
           <a:lstStyle/>
           <a:p>
             <a:r>
-              <a:t>Conclusions</a:t>
+              <a:t>OpenMP Implementation</a:t>
             </a:r>
           </a:p>
         </p:txBody>
@@ -4484,71 +5781,148 @@
         </p:nvSpPr>
         <p:spPr/>
         <p:txBody>
-          <a:bodyPr>
-            <a:normAutofit fontScale="70000" lnSpcReduction="20000"/>
+          <a:bodyPr/>
+          <a:lstStyle/>
+          <a:p>
+            <a:r>
+              <a:rPr dirty="0"/>
+              <a:t>The OpenMP implementation simplifies thread management with compiler directives, ensuring efficient parallelization with minimal code complexity.</a:t>
+            </a:r>
+          </a:p>
+        </p:txBody>
+      </p:sp>
+      <p:sp>
+        <p:nvSpPr>
+          <p:cNvPr id="4" name="TextBox 3"/>
+          <p:cNvSpPr txBox="1"/>
+          <p:nvPr/>
+        </p:nvSpPr>
+        <p:spPr>
+          <a:xfrm>
+            <a:off x="743638" y="3321586"/>
+            <a:ext cx="8229600" cy="1828800"/>
+          </a:xfrm>
+          <a:prstGeom prst="rect">
+            <a:avLst/>
+          </a:prstGeom>
+          <a:noFill/>
+        </p:spPr>
+        <p:txBody>
+          <a:bodyPr wrap="none">
+            <a:spAutoFit/>
           </a:bodyPr>
           <a:lstStyle/>
           <a:p>
-            <a:r>
-              <a:rPr dirty="0"/>
-              <a:t>Key Findings:</a:t>
-            </a:r>
-          </a:p>
-          <a:p>
-            <a:pPr marL="0" indent="0">
-              <a:buNone/>
-            </a:pPr>
             <a:endParaRPr dirty="0"/>
           </a:p>
           <a:p>
             <a:r>
               <a:rPr dirty="0"/>
-              <a:t>- Parallelization significantly improves performance for large matrices.</a:t>
-            </a:r>
-          </a:p>
-          <a:p>
-            <a:r>
-              <a:rPr dirty="0"/>
-              <a:t>- Hybrid </a:t>
+              <a:t>#pragma </a:t>
             </a:r>
             <a:r>
               <a:rPr dirty="0" err="1"/>
-              <a:t>MPI+OpenMP</a:t>
-            </a:r>
-            <a:r>
-              <a:rPr dirty="0"/>
-              <a:t> balances computational and communication overhead.</a:t>
-            </a:r>
-          </a:p>
-          <a:p>
-            <a:r>
-              <a:rPr dirty="0"/>
-              <a:t>- Resource management and optimization are critical for scalability.</a:t>
+              <a:t>omp</a:t>
+            </a:r>
+            <a:r>
+              <a:rPr dirty="0"/>
+              <a:t> parallel for</a:t>
+            </a:r>
+          </a:p>
+          <a:p>
+            <a:r>
+              <a:rPr dirty="0"/>
+              <a:t>for (int </a:t>
+            </a:r>
+            <a:r>
+              <a:rPr dirty="0" err="1"/>
+              <a:t>i</a:t>
+            </a:r>
+            <a:r>
+              <a:rPr dirty="0"/>
+              <a:t> = 1; </a:t>
+            </a:r>
+            <a:r>
+              <a:rPr dirty="0" err="1"/>
+              <a:t>i</a:t>
+            </a:r>
+            <a:r>
+              <a:rPr dirty="0"/>
+              <a:t> &lt; rows - 1; </a:t>
+            </a:r>
+            <a:r>
+              <a:rPr dirty="0" err="1"/>
+              <a:t>i</a:t>
+            </a:r>
+            <a:r>
+              <a:rPr dirty="0"/>
+              <a:t>++) {</a:t>
+            </a:r>
+          </a:p>
+          <a:p>
+            <a:r>
+              <a:rPr dirty="0"/>
+              <a:t>    for (int j = 1; j &lt; cols - 1; </a:t>
+            </a:r>
+            <a:r>
+              <a:rPr dirty="0" err="1"/>
+              <a:t>j++</a:t>
+            </a:r>
+            <a:r>
+              <a:rPr dirty="0"/>
+              <a:t>) {</a:t>
+            </a:r>
+          </a:p>
+          <a:p>
+            <a:r>
+              <a:rPr dirty="0"/>
+              <a:t>        matrix1[</a:t>
+            </a:r>
+            <a:r>
+              <a:rPr dirty="0" err="1"/>
+              <a:t>i</a:t>
+            </a:r>
+            <a:r>
+              <a:rPr dirty="0"/>
+              <a:t>][j] = (matrix[</a:t>
+            </a:r>
+            <a:r>
+              <a:rPr dirty="0" err="1"/>
+              <a:t>i</a:t>
+            </a:r>
+            <a:r>
+              <a:rPr dirty="0"/>
+              <a:t> - 1][j - 1] + ... + matrix[</a:t>
+            </a:r>
+            <a:r>
+              <a:rPr dirty="0" err="1"/>
+              <a:t>i</a:t>
+            </a:r>
+            <a:r>
+              <a:rPr dirty="0"/>
+              <a:t>][j]) / 9.0;</a:t>
+            </a:r>
+          </a:p>
+          <a:p>
+            <a:r>
+              <a:rPr dirty="0"/>
+              <a:t>    }</a:t>
+            </a:r>
+          </a:p>
+          <a:p>
+            <a:r>
+              <a:rPr dirty="0"/>
+              <a:t>}</a:t>
+            </a:r>
+          </a:p>
+          <a:p>
+            <a:r>
+              <a:rPr dirty="0"/>
+              <a:t>double **temp = matrix1; matrix1 = matrix; matrix = temp;</a:t>
             </a:r>
           </a:p>
           <a:p>
             <a:endParaRPr dirty="0"/>
-          </a:p>
-          <a:p>
-            <a:r>
-              <a:rPr dirty="0"/>
-              <a:t>Future Directions:</a:t>
-            </a:r>
-          </a:p>
-          <a:p>
-            <a:endParaRPr dirty="0"/>
-          </a:p>
-          <a:p>
-            <a:r>
-              <a:rPr dirty="0"/>
-              <a:t>- Explore GPU acceleration and adaptive load balancing.</a:t>
-            </a:r>
-          </a:p>
-          <a:p>
-            <a:r>
-              <a:rPr dirty="0"/>
-              <a:t>- Optimize communication and memory access patterns.</a:t>
-            </a:r>
           </a:p>
         </p:txBody>
       </p:sp>
@@ -4593,7 +5967,7 @@
           <a:lstStyle/>
           <a:p>
             <a:r>
-              <a:t>POSIX Threads Implementation</a:t>
+              <a:t>MPI Implementation</a:t>
             </a:r>
           </a:p>
         </p:txBody>
@@ -4608,21 +5982,13 @@
             <p:ph idx="1"/>
           </p:nvPr>
         </p:nvSpPr>
-        <p:spPr>
-          <a:xfrm>
-            <a:off x="457200" y="1247660"/>
-            <a:ext cx="8229600" cy="4525963"/>
-          </a:xfrm>
-        </p:spPr>
-        <p:txBody>
-          <a:bodyPr>
-            <a:normAutofit/>
-          </a:bodyPr>
-          <a:lstStyle/>
-          <a:p>
-            <a:r>
-              <a:rPr sz="2800" dirty="0"/>
-              <a:t>This implementation uses POSIX threads to divide the workload across multiple threads, with explicit synchronization and memory management.</a:t>
+        <p:spPr/>
+        <p:txBody>
+          <a:bodyPr/>
+          <a:lstStyle/>
+          <a:p>
+            <a:r>
+              <a:t>MPI distributes the matrix rows across processes, with halo exchanges for boundary communication, optimizing performance on distributed memory systems.</a:t>
             </a:r>
           </a:p>
         </p:txBody>
@@ -4635,8 +6001,8 @@
         </p:nvSpPr>
         <p:spPr>
           <a:xfrm>
-            <a:off x="633470" y="2681230"/>
-            <a:ext cx="8229600" cy="1828800"/>
+            <a:off x="986009" y="3721040"/>
+            <a:ext cx="7171981" cy="2862322"/>
           </a:xfrm>
           <a:prstGeom prst="rect">
             <a:avLst/>
@@ -4644,7 +6010,7 @@
           <a:noFill/>
         </p:spPr>
         <p:txBody>
-          <a:bodyPr wrap="none">
+          <a:bodyPr wrap="square">
             <a:spAutoFit/>
           </a:bodyPr>
           <a:lstStyle/>
@@ -4654,113 +6020,37 @@
           <a:p>
             <a:r>
               <a:rPr dirty="0"/>
-              <a:t>void* </a:t>
+              <a:t>void stencil2DMPI(double **subs, double **subs1, </a:t>
             </a:r>
             <a:r>
               <a:rPr dirty="0" err="1"/>
-              <a:t>stencil_thread_func</a:t>
-            </a:r>
-            <a:r>
-              <a:rPr dirty="0"/>
-              <a:t>(void* </a:t>
+              <a:t>MPI_Datatype</a:t>
+            </a:r>
+            <a:r>
+              <a:rPr dirty="0"/>
+              <a:t> </a:t>
             </a:r>
             <a:r>
               <a:rPr dirty="0" err="1"/>
-              <a:t>args</a:t>
-            </a:r>
-            <a:r>
-              <a:rPr dirty="0"/>
-              <a:t>) {</a:t>
-            </a:r>
-          </a:p>
-          <a:p>
-            <a:r>
-              <a:rPr dirty="0"/>
-              <a:t>    </a:t>
+              <a:t>dtype</a:t>
+            </a:r>
+            <a:r>
+              <a:rPr dirty="0"/>
+              <a:t>, int m, int n, </a:t>
             </a:r>
             <a:r>
               <a:rPr dirty="0" err="1"/>
-              <a:t>ThreadArgs</a:t>
-            </a:r>
-            <a:r>
-              <a:rPr dirty="0"/>
-              <a:t>* </a:t>
-            </a:r>
-            <a:r>
-              <a:rPr dirty="0" err="1"/>
-              <a:t>threadArgs</a:t>
-            </a:r>
-            <a:r>
-              <a:rPr dirty="0"/>
-              <a:t> = (</a:t>
-            </a:r>
-            <a:r>
-              <a:rPr dirty="0" err="1"/>
-              <a:t>ThreadArgs</a:t>
-            </a:r>
-            <a:r>
-              <a:rPr dirty="0"/>
-              <a:t>*)</a:t>
-            </a:r>
-            <a:r>
-              <a:rPr dirty="0" err="1"/>
-              <a:t>args</a:t>
-            </a:r>
-            <a:r>
-              <a:rPr dirty="0"/>
-              <a:t>;</a:t>
+              <a:t>MPI_Comm</a:t>
+            </a:r>
+            <a:r>
+              <a:rPr dirty="0"/>
+              <a:t> comm) {</a:t>
             </a:r>
           </a:p>
           <a:p>
             <a:r>
               <a:rPr dirty="0"/>
               <a:t>    for (int </a:t>
-            </a:r>
-            <a:r>
-              <a:rPr dirty="0" err="1"/>
-              <a:t>iter</a:t>
-            </a:r>
-            <a:r>
-              <a:rPr dirty="0"/>
-              <a:t> = 0; </a:t>
-            </a:r>
-            <a:r>
-              <a:rPr dirty="0" err="1"/>
-              <a:t>iter</a:t>
-            </a:r>
-            <a:r>
-              <a:rPr dirty="0"/>
-              <a:t> &lt; </a:t>
-            </a:r>
-            <a:r>
-              <a:rPr dirty="0" err="1"/>
-              <a:t>threadArgs</a:t>
-            </a:r>
-            <a:r>
-              <a:rPr dirty="0"/>
-              <a:t>-&gt;</a:t>
-            </a:r>
-            <a:r>
-              <a:rPr dirty="0" err="1"/>
-              <a:t>numIterations</a:t>
-            </a:r>
-            <a:r>
-              <a:rPr dirty="0"/>
-              <a:t>; </a:t>
-            </a:r>
-            <a:r>
-              <a:rPr dirty="0" err="1"/>
-              <a:t>iter</a:t>
-            </a:r>
-            <a:r>
-              <a:rPr dirty="0"/>
-              <a:t>++) {</a:t>
-            </a:r>
-          </a:p>
-          <a:p>
-            <a:r>
-              <a:rPr dirty="0"/>
-              <a:t>        for (int </a:t>
             </a:r>
             <a:r>
               <a:rPr dirty="0" err="1"/>
@@ -4768,15 +6058,7 @@
             </a:r>
             <a:r>
               <a:rPr dirty="0"/>
-              <a:t> = </a:t>
-            </a:r>
-            <a:r>
-              <a:rPr dirty="0" err="1"/>
-              <a:t>actualStart</a:t>
-            </a:r>
-            <a:r>
-              <a:rPr dirty="0"/>
-              <a:t>; </a:t>
+              <a:t> = 1; </a:t>
             </a:r>
             <a:r>
               <a:rPr dirty="0" err="1"/>
@@ -4784,15 +6066,15 @@
             </a:r>
             <a:r>
               <a:rPr dirty="0"/>
-              <a:t> &lt;= </a:t>
+              <a:t> &lt; </a:t>
             </a:r>
             <a:r>
               <a:rPr dirty="0" err="1"/>
-              <a:t>actualEnd</a:t>
-            </a:r>
-            <a:r>
-              <a:rPr dirty="0"/>
-              <a:t>; </a:t>
+              <a:t>local_rows</a:t>
+            </a:r>
+            <a:r>
+              <a:rPr dirty="0"/>
+              <a:t> - 1; </a:t>
             </a:r>
             <a:r>
               <a:rPr dirty="0" err="1"/>
@@ -4806,7 +6088,7 @@
           <a:p>
             <a:r>
               <a:rPr dirty="0"/>
-              <a:t>            for (int j = 1; j &lt; cols-1; </a:t>
+              <a:t>        for (int j = 1; j &lt; n - 1; </a:t>
             </a:r>
             <a:r>
               <a:rPr dirty="0" err="1"/>
@@ -4820,7 +6102,7 @@
           <a:p>
             <a:r>
               <a:rPr dirty="0"/>
-              <a:t>                matrix1[</a:t>
+              <a:t>            subs1[</a:t>
             </a:r>
             <a:r>
               <a:rPr dirty="0" err="1"/>
@@ -4828,7 +6110,7 @@
             </a:r>
             <a:r>
               <a:rPr dirty="0"/>
-              <a:t>][j] = (matrix[</a:t>
+              <a:t>][j] = (subs[</a:t>
             </a:r>
             <a:r>
               <a:rPr dirty="0" err="1"/>
@@ -4836,7 +6118,7 @@
             </a:r>
             <a:r>
               <a:rPr dirty="0"/>
-              <a:t> - 1][j - 1] + ... + matrix[</a:t>
+              <a:t> - 1][j - 1] + ... + subs[</a:t>
             </a:r>
             <a:r>
               <a:rPr dirty="0" err="1"/>
@@ -4850,63 +6132,7 @@
           <a:p>
             <a:r>
               <a:rPr dirty="0"/>
-              <a:t>            }</a:t>
-            </a:r>
-          </a:p>
-          <a:p>
-            <a:r>
-              <a:rPr dirty="0"/>
               <a:t>        }</a:t>
-            </a:r>
-          </a:p>
-          <a:p>
-            <a:r>
-              <a:rPr dirty="0"/>
-              <a:t>        </a:t>
-            </a:r>
-            <a:r>
-              <a:rPr dirty="0" err="1"/>
-              <a:t>my_barrier_wait</a:t>
-            </a:r>
-            <a:r>
-              <a:rPr dirty="0"/>
-              <a:t>(</a:t>
-            </a:r>
-            <a:r>
-              <a:rPr dirty="0" err="1"/>
-              <a:t>threadArgs</a:t>
-            </a:r>
-            <a:r>
-              <a:rPr dirty="0"/>
-              <a:t>-&gt;barrier);</a:t>
-            </a:r>
-          </a:p>
-          <a:p>
-            <a:r>
-              <a:rPr dirty="0"/>
-              <a:t>        double **temp = matrix1; matrix1 = matrix; matrix = temp;</a:t>
-            </a:r>
-          </a:p>
-          <a:p>
-            <a:r>
-              <a:rPr dirty="0"/>
-              <a:t>        </a:t>
-            </a:r>
-            <a:r>
-              <a:rPr dirty="0" err="1"/>
-              <a:t>my_barrier_wait</a:t>
-            </a:r>
-            <a:r>
-              <a:rPr dirty="0"/>
-              <a:t>(</a:t>
-            </a:r>
-            <a:r>
-              <a:rPr dirty="0" err="1"/>
-              <a:t>threadArgs</a:t>
-            </a:r>
-            <a:r>
-              <a:rPr dirty="0"/>
-              <a:t>-&gt;barrier);</a:t>
             </a:r>
           </a:p>
           <a:p>
